--- a/BDK04-3.pptx
+++ b/BDK04-3.pptx
@@ -24,10 +24,10 @@
     <p:sldId id="288" r:id="rId12"/>
     <p:sldId id="302" r:id="rId13"/>
     <p:sldId id="304" r:id="rId14"/>
-    <p:sldId id="305" r:id="rId15"/>
-    <p:sldId id="271" r:id="rId16"/>
-    <p:sldId id="277" r:id="rId17"/>
-    <p:sldId id="278" r:id="rId18"/>
+    <p:sldId id="307" r:id="rId15"/>
+    <p:sldId id="308" r:id="rId16"/>
+    <p:sldId id="305" r:id="rId17"/>
+    <p:sldId id="271" r:id="rId18"/>
     <p:sldId id="284" r:id="rId19"/>
     <p:sldId id="297" r:id="rId20"/>
     <p:sldId id="287" r:id="rId21"/>
@@ -576,7 +576,7 @@
               </a14:hiddenFill>
             </a:ext>
             <a:ext uri="{FAA26D3D-D897-4be2-8F04-BA451C77F1D7}">
-              <ma14:placeholderFlag xmlns="" xmlns:ma14="http://schemas.microsoft.com/office/mac/drawingml/2011/main" val="1"/>
+              <ma14:placeholderFlag xmlns:ma14="http://schemas.microsoft.com/office/mac/drawingml/2011/main" xmlns="" val="1"/>
             </a:ext>
           </a:extLst>
         </p:spPr>
@@ -1105,7 +1105,7 @@
               </a14:hiddenLine>
             </a:ext>
             <a:ext uri="{FAA26D3D-D897-4be2-8F04-BA451C77F1D7}">
-              <ma14:placeholderFlag xmlns="" xmlns:ma14="http://schemas.microsoft.com/office/mac/drawingml/2011/main" val="1"/>
+              <ma14:placeholderFlag xmlns:ma14="http://schemas.microsoft.com/office/mac/drawingml/2011/main" xmlns="" val="1"/>
             </a:ext>
           </a:extLst>
         </p:spPr>
@@ -1353,7 +1353,7 @@
               </a14:hiddenLine>
             </a:ext>
             <a:ext uri="{FAA26D3D-D897-4be2-8F04-BA451C77F1D7}">
-              <ma14:placeholderFlag xmlns="" xmlns:ma14="http://schemas.microsoft.com/office/mac/drawingml/2011/main" val="1"/>
+              <ma14:placeholderFlag xmlns:ma14="http://schemas.microsoft.com/office/mac/drawingml/2011/main" xmlns="" val="1"/>
             </a:ext>
           </a:extLst>
         </p:spPr>
@@ -1626,6 +1626,176 @@
     </p:spTree>
     <p:extLst>
       <p:ext uri="{BB962C8B-B14F-4D97-AF65-F5344CB8AC3E}">
+        <p14:creationId xmlns:p14="http://schemas.microsoft.com/office/powerpoint/2010/main" val="557948092"/>
+      </p:ext>
+    </p:extLst>
+  </p:cSld>
+  <p:clrMapOvr>
+    <a:masterClrMapping/>
+  </p:clrMapOvr>
+</p:notes>
+</file>
+
+<file path=ppt/notesSlides/notesSlide14.xml><?xml version="1.0" encoding="utf-8"?>
+<p:notes xmlns:a="http://schemas.openxmlformats.org/drawingml/2006/main" xmlns:r="http://schemas.openxmlformats.org/officeDocument/2006/relationships" xmlns:p="http://schemas.openxmlformats.org/presentationml/2006/main">
+  <p:cSld>
+    <p:spTree>
+      <p:nvGrpSpPr>
+        <p:cNvPr id="1" name=""/>
+        <p:cNvGrpSpPr/>
+        <p:nvPr/>
+      </p:nvGrpSpPr>
+      <p:grpSpPr>
+        <a:xfrm>
+          <a:off x="0" y="0"/>
+          <a:ext cx="0" cy="0"/>
+          <a:chOff x="0" y="0"/>
+          <a:chExt cx="0" cy="0"/>
+        </a:xfrm>
+      </p:grpSpPr>
+      <p:sp>
+        <p:nvSpPr>
+          <p:cNvPr id="2" name="Slide Image Placeholder 1"/>
+          <p:cNvSpPr>
+            <a:spLocks noGrp="1" noRot="1" noChangeAspect="1"/>
+          </p:cNvSpPr>
+          <p:nvPr>
+            <p:ph type="sldImg"/>
+          </p:nvPr>
+        </p:nvSpPr>
+        <p:spPr/>
+      </p:sp>
+      <p:sp>
+        <p:nvSpPr>
+          <p:cNvPr id="3" name="Notes Placeholder 2"/>
+          <p:cNvSpPr>
+            <a:spLocks noGrp="1"/>
+          </p:cNvSpPr>
+          <p:nvPr>
+            <p:ph type="body" idx="1"/>
+          </p:nvPr>
+        </p:nvSpPr>
+        <p:spPr/>
+        <p:txBody>
+          <a:bodyPr/>
+          <a:lstStyle/>
+          <a:p>
+            <a:endParaRPr lang="en-US"/>
+          </a:p>
+        </p:txBody>
+      </p:sp>
+      <p:sp>
+        <p:nvSpPr>
+          <p:cNvPr id="4" name="Slide Number Placeholder 3"/>
+          <p:cNvSpPr>
+            <a:spLocks noGrp="1"/>
+          </p:cNvSpPr>
+          <p:nvPr>
+            <p:ph type="sldNum" sz="quarter" idx="10"/>
+          </p:nvPr>
+        </p:nvSpPr>
+        <p:spPr/>
+        <p:txBody>
+          <a:bodyPr/>
+          <a:lstStyle/>
+          <a:p>
+            <a:fld id="{F02C7F3C-7738-E64B-9E48-095B9D47FEA5}" type="slidenum">
+              <a:rPr lang="en-US" smtClean="0"/>
+              <a:pPr/>
+              <a:t>14</a:t>
+            </a:fld>
+            <a:endParaRPr lang="en-US"/>
+          </a:p>
+        </p:txBody>
+      </p:sp>
+    </p:spTree>
+    <p:extLst>
+      <p:ext uri="{BB962C8B-B14F-4D97-AF65-F5344CB8AC3E}">
+        <p14:creationId xmlns:p14="http://schemas.microsoft.com/office/powerpoint/2010/main" val="1262151213"/>
+      </p:ext>
+    </p:extLst>
+  </p:cSld>
+  <p:clrMapOvr>
+    <a:masterClrMapping/>
+  </p:clrMapOvr>
+</p:notes>
+</file>
+
+<file path=ppt/notesSlides/notesSlide15.xml><?xml version="1.0" encoding="utf-8"?>
+<p:notes xmlns:a="http://schemas.openxmlformats.org/drawingml/2006/main" xmlns:r="http://schemas.openxmlformats.org/officeDocument/2006/relationships" xmlns:p="http://schemas.openxmlformats.org/presentationml/2006/main">
+  <p:cSld>
+    <p:spTree>
+      <p:nvGrpSpPr>
+        <p:cNvPr id="1" name=""/>
+        <p:cNvGrpSpPr/>
+        <p:nvPr/>
+      </p:nvGrpSpPr>
+      <p:grpSpPr>
+        <a:xfrm>
+          <a:off x="0" y="0"/>
+          <a:ext cx="0" cy="0"/>
+          <a:chOff x="0" y="0"/>
+          <a:chExt cx="0" cy="0"/>
+        </a:xfrm>
+      </p:grpSpPr>
+      <p:sp>
+        <p:nvSpPr>
+          <p:cNvPr id="2" name="Slide Image Placeholder 1"/>
+          <p:cNvSpPr>
+            <a:spLocks noGrp="1" noRot="1" noChangeAspect="1"/>
+          </p:cNvSpPr>
+          <p:nvPr>
+            <p:ph type="sldImg"/>
+          </p:nvPr>
+        </p:nvSpPr>
+        <p:spPr/>
+      </p:sp>
+      <p:sp>
+        <p:nvSpPr>
+          <p:cNvPr id="3" name="Notes Placeholder 2"/>
+          <p:cNvSpPr>
+            <a:spLocks noGrp="1"/>
+          </p:cNvSpPr>
+          <p:nvPr>
+            <p:ph type="body" idx="1"/>
+          </p:nvPr>
+        </p:nvSpPr>
+        <p:spPr/>
+        <p:txBody>
+          <a:bodyPr/>
+          <a:lstStyle/>
+          <a:p>
+            <a:endParaRPr lang="en-US"/>
+          </a:p>
+        </p:txBody>
+      </p:sp>
+      <p:sp>
+        <p:nvSpPr>
+          <p:cNvPr id="4" name="Slide Number Placeholder 3"/>
+          <p:cNvSpPr>
+            <a:spLocks noGrp="1"/>
+          </p:cNvSpPr>
+          <p:nvPr>
+            <p:ph type="sldNum" sz="quarter" idx="10"/>
+          </p:nvPr>
+        </p:nvSpPr>
+        <p:spPr/>
+        <p:txBody>
+          <a:bodyPr/>
+          <a:lstStyle/>
+          <a:p>
+            <a:fld id="{F02C7F3C-7738-E64B-9E48-095B9D47FEA5}" type="slidenum">
+              <a:rPr lang="en-US" smtClean="0"/>
+              <a:pPr/>
+              <a:t>15</a:t>
+            </a:fld>
+            <a:endParaRPr lang="en-US"/>
+          </a:p>
+        </p:txBody>
+      </p:sp>
+    </p:spTree>
+    <p:extLst>
+      <p:ext uri="{BB962C8B-B14F-4D97-AF65-F5344CB8AC3E}">
         <p14:creationId xmlns:p14="http://schemas.microsoft.com/office/powerpoint/2010/main" val="958852467"/>
       </p:ext>
     </p:extLst>
@@ -1636,7 +1806,7 @@
 </p:notes>
 </file>
 
-<file path=ppt/notesSlides/notesSlide14.xml><?xml version="1.0" encoding="utf-8"?>
+<file path=ppt/notesSlides/notesSlide16.xml><?xml version="1.0" encoding="utf-8"?>
 <p:notes xmlns:a="http://schemas.openxmlformats.org/drawingml/2006/main" xmlns:r="http://schemas.openxmlformats.org/officeDocument/2006/relationships" xmlns:p="http://schemas.openxmlformats.org/presentationml/2006/main">
   <p:cSld>
     <p:spTree>
@@ -1802,7 +1972,7 @@
                 <a:latin typeface="Tahoma" charset="0"/>
               </a:rPr>
               <a:pPr eaLnBrk="1" hangingPunct="1"/>
-              <a:t>14</a:t>
+              <a:t>16</a:t>
             </a:fld>
             <a:endParaRPr lang="en-US">
               <a:latin typeface="Tahoma" charset="0"/>
@@ -1856,7 +2026,7 @@
               </a14:hiddenLine>
             </a:ext>
             <a:ext uri="{FAA26D3D-D897-4be2-8F04-BA451C77F1D7}">
-              <ma14:placeholderFlag xmlns="" xmlns:ma14="http://schemas.microsoft.com/office/mac/drawingml/2011/main" val="1"/>
+              <ma14:placeholderFlag xmlns:ma14="http://schemas.microsoft.com/office/mac/drawingml/2011/main" xmlns="" val="1"/>
             </a:ext>
           </a:extLst>
         </p:spPr>
@@ -1875,502 +2045,6 @@
     <p:extLst>
       <p:ext uri="{BB962C8B-B14F-4D97-AF65-F5344CB8AC3E}">
         <p14:creationId xmlns:p14="http://schemas.microsoft.com/office/powerpoint/2010/main" val="2847873299"/>
-      </p:ext>
-    </p:extLst>
-  </p:cSld>
-  <p:clrMapOvr>
-    <a:masterClrMapping/>
-  </p:clrMapOvr>
-</p:notes>
-</file>
-
-<file path=ppt/notesSlides/notesSlide15.xml><?xml version="1.0" encoding="utf-8"?>
-<p:notes xmlns:a="http://schemas.openxmlformats.org/drawingml/2006/main" xmlns:r="http://schemas.openxmlformats.org/officeDocument/2006/relationships" xmlns:p="http://schemas.openxmlformats.org/presentationml/2006/main">
-  <p:cSld>
-    <p:spTree>
-      <p:nvGrpSpPr>
-        <p:cNvPr id="1" name=""/>
-        <p:cNvGrpSpPr/>
-        <p:nvPr/>
-      </p:nvGrpSpPr>
-      <p:grpSpPr>
-        <a:xfrm>
-          <a:off x="0" y="0"/>
-          <a:ext cx="0" cy="0"/>
-          <a:chOff x="0" y="0"/>
-          <a:chExt cx="0" cy="0"/>
-        </a:xfrm>
-      </p:grpSpPr>
-      <p:sp>
-        <p:nvSpPr>
-          <p:cNvPr id="46082" name="Rectangle 7"/>
-          <p:cNvSpPr>
-            <a:spLocks noGrp="1" noChangeArrowheads="1"/>
-          </p:cNvSpPr>
-          <p:nvPr>
-            <p:ph type="sldNum" sz="quarter" idx="5"/>
-          </p:nvPr>
-        </p:nvSpPr>
-        <p:spPr>
-          <a:noFill/>
-          <a:ln/>
-          <a:extLst>
-            <a:ext uri="{909E8E84-426E-40DD-AFC4-6F175D3DCCD1}">
-              <a14:hiddenFill xmlns:a14="http://schemas.microsoft.com/office/drawing/2010/main">
-                <a:solidFill>
-                  <a:srgbClr val="FFFFFF"/>
-                </a:solidFill>
-              </a14:hiddenFill>
-            </a:ext>
-            <a:ext uri="{91240B29-F687-4F45-9708-019B960494DF}">
-              <a14:hiddenLine xmlns:a14="http://schemas.microsoft.com/office/drawing/2010/main" w="9525">
-                <a:solidFill>
-                  <a:srgbClr val="000000"/>
-                </a:solidFill>
-                <a:miter lim="800000"/>
-                <a:headEnd/>
-                <a:tailEnd/>
-              </a14:hiddenLine>
-            </a:ext>
-          </a:extLst>
-        </p:spPr>
-        <p:txBody>
-          <a:bodyPr/>
-          <a:lstStyle>
-            <a:lvl1pPr eaLnBrk="0" hangingPunct="0">
-              <a:defRPr>
-                <a:solidFill>
-                  <a:schemeClr val="tx1"/>
-                </a:solidFill>
-                <a:latin typeface="Arial" charset="0"/>
-                <a:ea typeface="ＭＳ Ｐゴシック" charset="0"/>
-              </a:defRPr>
-            </a:lvl1pPr>
-            <a:lvl2pPr marL="742950" indent="-285750" eaLnBrk="0" hangingPunct="0">
-              <a:defRPr>
-                <a:solidFill>
-                  <a:schemeClr val="tx1"/>
-                </a:solidFill>
-                <a:latin typeface="Arial" charset="0"/>
-                <a:ea typeface="ＭＳ Ｐゴシック" charset="0"/>
-              </a:defRPr>
-            </a:lvl2pPr>
-            <a:lvl3pPr marL="1143000" indent="-228600" eaLnBrk="0" hangingPunct="0">
-              <a:defRPr>
-                <a:solidFill>
-                  <a:schemeClr val="tx1"/>
-                </a:solidFill>
-                <a:latin typeface="Arial" charset="0"/>
-                <a:ea typeface="ＭＳ Ｐゴシック" charset="0"/>
-              </a:defRPr>
-            </a:lvl3pPr>
-            <a:lvl4pPr marL="1600200" indent="-228600" eaLnBrk="0" hangingPunct="0">
-              <a:defRPr>
-                <a:solidFill>
-                  <a:schemeClr val="tx1"/>
-                </a:solidFill>
-                <a:latin typeface="Arial" charset="0"/>
-                <a:ea typeface="ＭＳ Ｐゴシック" charset="0"/>
-              </a:defRPr>
-            </a:lvl4pPr>
-            <a:lvl5pPr marL="2057400" indent="-228600" eaLnBrk="0" hangingPunct="0">
-              <a:defRPr>
-                <a:solidFill>
-                  <a:schemeClr val="tx1"/>
-                </a:solidFill>
-                <a:latin typeface="Arial" charset="0"/>
-                <a:ea typeface="ＭＳ Ｐゴシック" charset="0"/>
-              </a:defRPr>
-            </a:lvl5pPr>
-            <a:lvl6pPr marL="2514600" indent="-228600" eaLnBrk="0" fontAlgn="base" hangingPunct="0">
-              <a:spcBef>
-                <a:spcPct val="0"/>
-              </a:spcBef>
-              <a:spcAft>
-                <a:spcPct val="0"/>
-              </a:spcAft>
-              <a:defRPr>
-                <a:solidFill>
-                  <a:schemeClr val="tx1"/>
-                </a:solidFill>
-                <a:latin typeface="Arial" charset="0"/>
-                <a:ea typeface="ＭＳ Ｐゴシック" charset="0"/>
-              </a:defRPr>
-            </a:lvl6pPr>
-            <a:lvl7pPr marL="2971800" indent="-228600" eaLnBrk="0" fontAlgn="base" hangingPunct="0">
-              <a:spcBef>
-                <a:spcPct val="0"/>
-              </a:spcBef>
-              <a:spcAft>
-                <a:spcPct val="0"/>
-              </a:spcAft>
-              <a:defRPr>
-                <a:solidFill>
-                  <a:schemeClr val="tx1"/>
-                </a:solidFill>
-                <a:latin typeface="Arial" charset="0"/>
-                <a:ea typeface="ＭＳ Ｐゴシック" charset="0"/>
-              </a:defRPr>
-            </a:lvl7pPr>
-            <a:lvl8pPr marL="3429000" indent="-228600" eaLnBrk="0" fontAlgn="base" hangingPunct="0">
-              <a:spcBef>
-                <a:spcPct val="0"/>
-              </a:spcBef>
-              <a:spcAft>
-                <a:spcPct val="0"/>
-              </a:spcAft>
-              <a:defRPr>
-                <a:solidFill>
-                  <a:schemeClr val="tx1"/>
-                </a:solidFill>
-                <a:latin typeface="Arial" charset="0"/>
-                <a:ea typeface="ＭＳ Ｐゴシック" charset="0"/>
-              </a:defRPr>
-            </a:lvl8pPr>
-            <a:lvl9pPr marL="3886200" indent="-228600" eaLnBrk="0" fontAlgn="base" hangingPunct="0">
-              <a:spcBef>
-                <a:spcPct val="0"/>
-              </a:spcBef>
-              <a:spcAft>
-                <a:spcPct val="0"/>
-              </a:spcAft>
-              <a:defRPr>
-                <a:solidFill>
-                  <a:schemeClr val="tx1"/>
-                </a:solidFill>
-                <a:latin typeface="Arial" charset="0"/>
-                <a:ea typeface="ＭＳ Ｐゴシック" charset="0"/>
-              </a:defRPr>
-            </a:lvl9pPr>
-          </a:lstStyle>
-          <a:p>
-            <a:pPr eaLnBrk="1" hangingPunct="1"/>
-            <a:fld id="{9726AE31-59A6-2843-AE62-1B44C5E1B8D5}" type="slidenum">
-              <a:rPr lang="en-US">
-                <a:latin typeface="Tahoma" charset="0"/>
-              </a:rPr>
-              <a:pPr eaLnBrk="1" hangingPunct="1"/>
-              <a:t>15</a:t>
-            </a:fld>
-            <a:endParaRPr lang="en-US">
-              <a:latin typeface="Tahoma" charset="0"/>
-            </a:endParaRPr>
-          </a:p>
-        </p:txBody>
-      </p:sp>
-      <p:sp>
-        <p:nvSpPr>
-          <p:cNvPr id="46083" name="Rectangle 2"/>
-          <p:cNvSpPr>
-            <a:spLocks noGrp="1" noRot="1" noChangeAspect="1" noChangeArrowheads="1" noTextEdit="1"/>
-          </p:cNvSpPr>
-          <p:nvPr>
-            <p:ph type="sldImg"/>
-          </p:nvPr>
-        </p:nvSpPr>
-        <p:spPr>
-          <a:ln/>
-        </p:spPr>
-      </p:sp>
-      <p:sp>
-        <p:nvSpPr>
-          <p:cNvPr id="46084" name="Rectangle 3"/>
-          <p:cNvSpPr>
-            <a:spLocks noGrp="1" noChangeArrowheads="1"/>
-          </p:cNvSpPr>
-          <p:nvPr>
-            <p:ph type="body" idx="1"/>
-          </p:nvPr>
-        </p:nvSpPr>
-        <p:spPr>
-          <a:noFill/>
-          <a:ln/>
-          <a:extLst>
-            <a:ext uri="{909E8E84-426E-40DD-AFC4-6F175D3DCCD1}">
-              <a14:hiddenFill xmlns:a14="http://schemas.microsoft.com/office/drawing/2010/main">
-                <a:solidFill>
-                  <a:srgbClr val="FFFFFF"/>
-                </a:solidFill>
-              </a14:hiddenFill>
-            </a:ext>
-            <a:ext uri="{91240B29-F687-4F45-9708-019B960494DF}">
-              <a14:hiddenLine xmlns:a14="http://schemas.microsoft.com/office/drawing/2010/main" w="9525">
-                <a:solidFill>
-                  <a:srgbClr val="000000"/>
-                </a:solidFill>
-                <a:miter lim="800000"/>
-                <a:headEnd/>
-                <a:tailEnd/>
-              </a14:hiddenLine>
-            </a:ext>
-            <a:ext uri="{FAA26D3D-D897-4be2-8F04-BA451C77F1D7}">
-              <ma14:placeholderFlag xmlns="" xmlns:ma14="http://schemas.microsoft.com/office/mac/drawingml/2011/main" val="1"/>
-            </a:ext>
-          </a:extLst>
-        </p:spPr>
-        <p:txBody>
-          <a:bodyPr/>
-          <a:lstStyle/>
-          <a:p>
-            <a:pPr eaLnBrk="1" hangingPunct="1"/>
-            <a:endParaRPr lang="en-US">
-              <a:latin typeface="Times New Roman" charset="0"/>
-            </a:endParaRPr>
-          </a:p>
-        </p:txBody>
-      </p:sp>
-    </p:spTree>
-    <p:extLst>
-      <p:ext uri="{BB962C8B-B14F-4D97-AF65-F5344CB8AC3E}">
-        <p14:creationId xmlns:p14="http://schemas.microsoft.com/office/powerpoint/2010/main" val="2127607146"/>
-      </p:ext>
-    </p:extLst>
-  </p:cSld>
-  <p:clrMapOvr>
-    <a:masterClrMapping/>
-  </p:clrMapOvr>
-</p:notes>
-</file>
-
-<file path=ppt/notesSlides/notesSlide16.xml><?xml version="1.0" encoding="utf-8"?>
-<p:notes xmlns:a="http://schemas.openxmlformats.org/drawingml/2006/main" xmlns:r="http://schemas.openxmlformats.org/officeDocument/2006/relationships" xmlns:p="http://schemas.openxmlformats.org/presentationml/2006/main">
-  <p:cSld>
-    <p:spTree>
-      <p:nvGrpSpPr>
-        <p:cNvPr id="1" name=""/>
-        <p:cNvGrpSpPr/>
-        <p:nvPr/>
-      </p:nvGrpSpPr>
-      <p:grpSpPr>
-        <a:xfrm>
-          <a:off x="0" y="0"/>
-          <a:ext cx="0" cy="0"/>
-          <a:chOff x="0" y="0"/>
-          <a:chExt cx="0" cy="0"/>
-        </a:xfrm>
-      </p:grpSpPr>
-      <p:sp>
-        <p:nvSpPr>
-          <p:cNvPr id="47106" name="Rectangle 7"/>
-          <p:cNvSpPr>
-            <a:spLocks noGrp="1" noChangeArrowheads="1"/>
-          </p:cNvSpPr>
-          <p:nvPr>
-            <p:ph type="sldNum" sz="quarter" idx="5"/>
-          </p:nvPr>
-        </p:nvSpPr>
-        <p:spPr>
-          <a:noFill/>
-          <a:ln/>
-          <a:extLst>
-            <a:ext uri="{909E8E84-426E-40DD-AFC4-6F175D3DCCD1}">
-              <a14:hiddenFill xmlns:a14="http://schemas.microsoft.com/office/drawing/2010/main">
-                <a:solidFill>
-                  <a:srgbClr val="FFFFFF"/>
-                </a:solidFill>
-              </a14:hiddenFill>
-            </a:ext>
-            <a:ext uri="{91240B29-F687-4F45-9708-019B960494DF}">
-              <a14:hiddenLine xmlns:a14="http://schemas.microsoft.com/office/drawing/2010/main" w="9525">
-                <a:solidFill>
-                  <a:srgbClr val="000000"/>
-                </a:solidFill>
-                <a:miter lim="800000"/>
-                <a:headEnd/>
-                <a:tailEnd/>
-              </a14:hiddenLine>
-            </a:ext>
-          </a:extLst>
-        </p:spPr>
-        <p:txBody>
-          <a:bodyPr/>
-          <a:lstStyle>
-            <a:lvl1pPr eaLnBrk="0" hangingPunct="0">
-              <a:defRPr>
-                <a:solidFill>
-                  <a:schemeClr val="tx1"/>
-                </a:solidFill>
-                <a:latin typeface="Arial" charset="0"/>
-                <a:ea typeface="ＭＳ Ｐゴシック" charset="0"/>
-              </a:defRPr>
-            </a:lvl1pPr>
-            <a:lvl2pPr marL="742950" indent="-285750" eaLnBrk="0" hangingPunct="0">
-              <a:defRPr>
-                <a:solidFill>
-                  <a:schemeClr val="tx1"/>
-                </a:solidFill>
-                <a:latin typeface="Arial" charset="0"/>
-                <a:ea typeface="ＭＳ Ｐゴシック" charset="0"/>
-              </a:defRPr>
-            </a:lvl2pPr>
-            <a:lvl3pPr marL="1143000" indent="-228600" eaLnBrk="0" hangingPunct="0">
-              <a:defRPr>
-                <a:solidFill>
-                  <a:schemeClr val="tx1"/>
-                </a:solidFill>
-                <a:latin typeface="Arial" charset="0"/>
-                <a:ea typeface="ＭＳ Ｐゴシック" charset="0"/>
-              </a:defRPr>
-            </a:lvl3pPr>
-            <a:lvl4pPr marL="1600200" indent="-228600" eaLnBrk="0" hangingPunct="0">
-              <a:defRPr>
-                <a:solidFill>
-                  <a:schemeClr val="tx1"/>
-                </a:solidFill>
-                <a:latin typeface="Arial" charset="0"/>
-                <a:ea typeface="ＭＳ Ｐゴシック" charset="0"/>
-              </a:defRPr>
-            </a:lvl4pPr>
-            <a:lvl5pPr marL="2057400" indent="-228600" eaLnBrk="0" hangingPunct="0">
-              <a:defRPr>
-                <a:solidFill>
-                  <a:schemeClr val="tx1"/>
-                </a:solidFill>
-                <a:latin typeface="Arial" charset="0"/>
-                <a:ea typeface="ＭＳ Ｐゴシック" charset="0"/>
-              </a:defRPr>
-            </a:lvl5pPr>
-            <a:lvl6pPr marL="2514600" indent="-228600" eaLnBrk="0" fontAlgn="base" hangingPunct="0">
-              <a:spcBef>
-                <a:spcPct val="0"/>
-              </a:spcBef>
-              <a:spcAft>
-                <a:spcPct val="0"/>
-              </a:spcAft>
-              <a:defRPr>
-                <a:solidFill>
-                  <a:schemeClr val="tx1"/>
-                </a:solidFill>
-                <a:latin typeface="Arial" charset="0"/>
-                <a:ea typeface="ＭＳ Ｐゴシック" charset="0"/>
-              </a:defRPr>
-            </a:lvl6pPr>
-            <a:lvl7pPr marL="2971800" indent="-228600" eaLnBrk="0" fontAlgn="base" hangingPunct="0">
-              <a:spcBef>
-                <a:spcPct val="0"/>
-              </a:spcBef>
-              <a:spcAft>
-                <a:spcPct val="0"/>
-              </a:spcAft>
-              <a:defRPr>
-                <a:solidFill>
-                  <a:schemeClr val="tx1"/>
-                </a:solidFill>
-                <a:latin typeface="Arial" charset="0"/>
-                <a:ea typeface="ＭＳ Ｐゴシック" charset="0"/>
-              </a:defRPr>
-            </a:lvl7pPr>
-            <a:lvl8pPr marL="3429000" indent="-228600" eaLnBrk="0" fontAlgn="base" hangingPunct="0">
-              <a:spcBef>
-                <a:spcPct val="0"/>
-              </a:spcBef>
-              <a:spcAft>
-                <a:spcPct val="0"/>
-              </a:spcAft>
-              <a:defRPr>
-                <a:solidFill>
-                  <a:schemeClr val="tx1"/>
-                </a:solidFill>
-                <a:latin typeface="Arial" charset="0"/>
-                <a:ea typeface="ＭＳ Ｐゴシック" charset="0"/>
-              </a:defRPr>
-            </a:lvl8pPr>
-            <a:lvl9pPr marL="3886200" indent="-228600" eaLnBrk="0" fontAlgn="base" hangingPunct="0">
-              <a:spcBef>
-                <a:spcPct val="0"/>
-              </a:spcBef>
-              <a:spcAft>
-                <a:spcPct val="0"/>
-              </a:spcAft>
-              <a:defRPr>
-                <a:solidFill>
-                  <a:schemeClr val="tx1"/>
-                </a:solidFill>
-                <a:latin typeface="Arial" charset="0"/>
-                <a:ea typeface="ＭＳ Ｐゴシック" charset="0"/>
-              </a:defRPr>
-            </a:lvl9pPr>
-          </a:lstStyle>
-          <a:p>
-            <a:pPr eaLnBrk="1" hangingPunct="1"/>
-            <a:fld id="{4F847783-BDE6-6A42-8828-80E9DBE593D1}" type="slidenum">
-              <a:rPr lang="en-US">
-                <a:latin typeface="Tahoma" charset="0"/>
-              </a:rPr>
-              <a:pPr eaLnBrk="1" hangingPunct="1"/>
-              <a:t>16</a:t>
-            </a:fld>
-            <a:endParaRPr lang="en-US">
-              <a:latin typeface="Tahoma" charset="0"/>
-            </a:endParaRPr>
-          </a:p>
-        </p:txBody>
-      </p:sp>
-      <p:sp>
-        <p:nvSpPr>
-          <p:cNvPr id="47107" name="Rectangle 2"/>
-          <p:cNvSpPr>
-            <a:spLocks noGrp="1" noRot="1" noChangeAspect="1" noChangeArrowheads="1" noTextEdit="1"/>
-          </p:cNvSpPr>
-          <p:nvPr>
-            <p:ph type="sldImg"/>
-          </p:nvPr>
-        </p:nvSpPr>
-        <p:spPr>
-          <a:ln/>
-        </p:spPr>
-      </p:sp>
-      <p:sp>
-        <p:nvSpPr>
-          <p:cNvPr id="47108" name="Rectangle 3"/>
-          <p:cNvSpPr>
-            <a:spLocks noGrp="1" noChangeArrowheads="1"/>
-          </p:cNvSpPr>
-          <p:nvPr>
-            <p:ph type="body" idx="1"/>
-          </p:nvPr>
-        </p:nvSpPr>
-        <p:spPr>
-          <a:noFill/>
-          <a:ln/>
-          <a:extLst>
-            <a:ext uri="{909E8E84-426E-40DD-AFC4-6F175D3DCCD1}">
-              <a14:hiddenFill xmlns:a14="http://schemas.microsoft.com/office/drawing/2010/main">
-                <a:solidFill>
-                  <a:srgbClr val="FFFFFF"/>
-                </a:solidFill>
-              </a14:hiddenFill>
-            </a:ext>
-            <a:ext uri="{91240B29-F687-4F45-9708-019B960494DF}">
-              <a14:hiddenLine xmlns:a14="http://schemas.microsoft.com/office/drawing/2010/main" w="9525">
-                <a:solidFill>
-                  <a:srgbClr val="000000"/>
-                </a:solidFill>
-                <a:miter lim="800000"/>
-                <a:headEnd/>
-                <a:tailEnd/>
-              </a14:hiddenLine>
-            </a:ext>
-            <a:ext uri="{FAA26D3D-D897-4be2-8F04-BA451C77F1D7}">
-              <ma14:placeholderFlag xmlns="" xmlns:ma14="http://schemas.microsoft.com/office/mac/drawingml/2011/main" val="1"/>
-            </a:ext>
-          </a:extLst>
-        </p:spPr>
-        <p:txBody>
-          <a:bodyPr/>
-          <a:lstStyle/>
-          <a:p>
-            <a:pPr eaLnBrk="1" hangingPunct="1"/>
-            <a:endParaRPr lang="en-US">
-              <a:latin typeface="Times New Roman" charset="0"/>
-            </a:endParaRPr>
-          </a:p>
-        </p:txBody>
-      </p:sp>
-    </p:spTree>
-    <p:extLst>
-      <p:ext uri="{BB962C8B-B14F-4D97-AF65-F5344CB8AC3E}">
-        <p14:creationId xmlns:p14="http://schemas.microsoft.com/office/powerpoint/2010/main" val="1821472137"/>
       </p:ext>
     </p:extLst>
   </p:cSld>
@@ -2600,7 +2274,7 @@
               </a14:hiddenLine>
             </a:ext>
             <a:ext uri="{FAA26D3D-D897-4be2-8F04-BA451C77F1D7}">
-              <ma14:placeholderFlag xmlns="" xmlns:ma14="http://schemas.microsoft.com/office/mac/drawingml/2011/main" val="1"/>
+              <ma14:placeholderFlag xmlns:ma14="http://schemas.microsoft.com/office/mac/drawingml/2011/main" xmlns="" val="1"/>
             </a:ext>
           </a:extLst>
         </p:spPr>
@@ -2933,7 +2607,7 @@
               </a14:hiddenLine>
             </a:ext>
             <a:ext uri="{FAA26D3D-D897-4be2-8F04-BA451C77F1D7}">
-              <ma14:placeholderFlag xmlns="" xmlns:ma14="http://schemas.microsoft.com/office/mac/drawingml/2011/main" val="1"/>
+              <ma14:placeholderFlag xmlns:ma14="http://schemas.microsoft.com/office/mac/drawingml/2011/main" xmlns="" val="1"/>
             </a:ext>
           </a:extLst>
         </p:spPr>
@@ -3181,7 +2855,7 @@
               </a14:hiddenLine>
             </a:ext>
             <a:ext uri="{FAA26D3D-D897-4be2-8F04-BA451C77F1D7}">
-              <ma14:placeholderFlag xmlns="" xmlns:ma14="http://schemas.microsoft.com/office/mac/drawingml/2011/main" val="1"/>
+              <ma14:placeholderFlag xmlns:ma14="http://schemas.microsoft.com/office/mac/drawingml/2011/main" xmlns="" val="1"/>
             </a:ext>
           </a:extLst>
         </p:spPr>
@@ -3514,7 +3188,7 @@
               </a14:hiddenLine>
             </a:ext>
             <a:ext uri="{FAA26D3D-D897-4be2-8F04-BA451C77F1D7}">
-              <ma14:placeholderFlag xmlns="" xmlns:ma14="http://schemas.microsoft.com/office/mac/drawingml/2011/main" val="1"/>
+              <ma14:placeholderFlag xmlns:ma14="http://schemas.microsoft.com/office/mac/drawingml/2011/main" xmlns="" val="1"/>
             </a:ext>
           </a:extLst>
         </p:spPr>
@@ -3605,7 +3279,7 @@
               </a14:hiddenLine>
             </a:ext>
             <a:ext uri="{FAA26D3D-D897-4be2-8F04-BA451C77F1D7}">
-              <ma14:placeholderFlag xmlns="" xmlns:ma14="http://schemas.microsoft.com/office/mac/drawingml/2011/main" val="1"/>
+              <ma14:placeholderFlag xmlns:ma14="http://schemas.microsoft.com/office/mac/drawingml/2011/main" xmlns="" val="1"/>
             </a:ext>
           </a:extLst>
         </p:spPr>
@@ -4009,7 +3683,7 @@
               </a14:hiddenLine>
             </a:ext>
             <a:ext uri="{FAA26D3D-D897-4be2-8F04-BA451C77F1D7}">
-              <ma14:placeholderFlag xmlns="" xmlns:ma14="http://schemas.microsoft.com/office/mac/drawingml/2011/main" val="1"/>
+              <ma14:placeholderFlag xmlns:ma14="http://schemas.microsoft.com/office/mac/drawingml/2011/main" xmlns="" val="1"/>
             </a:ext>
           </a:extLst>
         </p:spPr>
@@ -4257,7 +3931,7 @@
               </a14:hiddenLine>
             </a:ext>
             <a:ext uri="{FAA26D3D-D897-4be2-8F04-BA451C77F1D7}">
-              <ma14:placeholderFlag xmlns="" xmlns:ma14="http://schemas.microsoft.com/office/mac/drawingml/2011/main" val="1"/>
+              <ma14:placeholderFlag xmlns:ma14="http://schemas.microsoft.com/office/mac/drawingml/2011/main" xmlns="" val="1"/>
             </a:ext>
           </a:extLst>
         </p:spPr>
@@ -4590,7 +4264,7 @@
               </a14:hiddenLine>
             </a:ext>
             <a:ext uri="{FAA26D3D-D897-4be2-8F04-BA451C77F1D7}">
-              <ma14:placeholderFlag xmlns="" xmlns:ma14="http://schemas.microsoft.com/office/mac/drawingml/2011/main" val="1"/>
+              <ma14:placeholderFlag xmlns:ma14="http://schemas.microsoft.com/office/mac/drawingml/2011/main" xmlns="" val="1"/>
             </a:ext>
           </a:extLst>
         </p:spPr>
@@ -4838,7 +4512,7 @@
               </a14:hiddenLine>
             </a:ext>
             <a:ext uri="{FAA26D3D-D897-4be2-8F04-BA451C77F1D7}">
-              <ma14:placeholderFlag xmlns="" xmlns:ma14="http://schemas.microsoft.com/office/mac/drawingml/2011/main" val="1"/>
+              <ma14:placeholderFlag xmlns:ma14="http://schemas.microsoft.com/office/mac/drawingml/2011/main" xmlns="" val="1"/>
             </a:ext>
           </a:extLst>
         </p:spPr>
@@ -25145,11 +24819,7 @@
           <a:p>
             <a:r>
               <a:rPr lang="en-US" dirty="0" smtClean="0"/>
-              <a:t>BDK04-3 </a:t>
-            </a:r>
-            <a:r>
-              <a:rPr lang="en-US" dirty="0" smtClean="0"/>
-              <a:t>| Clinical </a:t>
+              <a:t>BDK04-3 | Clinical </a:t>
             </a:r>
             <a:r>
               <a:rPr lang="en-US" dirty="0"/>
@@ -27972,7 +27642,15 @@
           <a:p>
             <a:r>
               <a:rPr lang="en-US" dirty="0" smtClean="0"/>
-              <a:t>Response to complexity of HL7 version 3, but maintaining compatibility with other HL7 standards, e.g., RIM and Clinical Document Architecture (CDA)</a:t>
+              <a:t>Response to complexity of HL7 version 3, but maintaining compatibility with other HL7 standards, e.g., </a:t>
+            </a:r>
+            <a:r>
+              <a:rPr lang="en-US" dirty="0" smtClean="0"/>
+              <a:t>Clinical </a:t>
+            </a:r>
+            <a:r>
+              <a:rPr lang="en-US" dirty="0" smtClean="0"/>
+              <a:t>Document Architecture (CDA)</a:t>
             </a:r>
           </a:p>
           <a:p>
@@ -27983,74 +27661,25 @@
           </a:p>
           <a:p>
             <a:r>
+              <a:rPr lang="en-US" dirty="0"/>
+              <a:t>Uses “modern” application programming interface (API) approach but less detailed semantics than HL7 version 3 </a:t>
+            </a:r>
+            <a:endParaRPr lang="en-US" dirty="0" smtClean="0"/>
+          </a:p>
+          <a:p>
+            <a:r>
               <a:rPr lang="en-US" dirty="0" smtClean="0"/>
-              <a:t>Basic </a:t>
+              <a:t>Substantial </a:t>
             </a:r>
             <a:r>
               <a:rPr lang="en-US" dirty="0"/>
-              <a:t>building block </a:t>
-            </a:r>
-            <a:r>
-              <a:rPr lang="en-US" dirty="0" smtClean="0"/>
-              <a:t>is </a:t>
-            </a:r>
+              <a:t>backing, including via Argonaut Project</a:t>
+            </a:r>
+          </a:p>
+          <a:p>
             <a:r>
               <a:rPr lang="en-US" dirty="0"/>
-              <a:t>a </a:t>
-            </a:r>
-            <a:r>
-              <a:rPr lang="en-US" dirty="0" smtClean="0"/>
-              <a:t>Resource, which has</a:t>
-            </a:r>
-            <a:endParaRPr lang="en-US" dirty="0"/>
-          </a:p>
-          <a:p>
-            <a:pPr lvl="1"/>
-            <a:r>
-              <a:rPr lang="en-US" dirty="0"/>
-              <a:t>C</a:t>
-            </a:r>
-            <a:r>
-              <a:rPr lang="en-US" dirty="0" smtClean="0"/>
-              <a:t>ommon </a:t>
-            </a:r>
-            <a:r>
-              <a:rPr lang="en-US" dirty="0"/>
-              <a:t>way to define and represent </a:t>
-            </a:r>
-            <a:r>
-              <a:rPr lang="en-US" dirty="0" smtClean="0"/>
-              <a:t>data elements, </a:t>
-            </a:r>
-            <a:r>
-              <a:rPr lang="en-US" dirty="0"/>
-              <a:t>building them from data types that define common reusable patterns of elements</a:t>
-            </a:r>
-          </a:p>
-          <a:p>
-            <a:pPr lvl="1"/>
-            <a:r>
-              <a:rPr lang="en-US" dirty="0"/>
-              <a:t>C</a:t>
-            </a:r>
-            <a:r>
-              <a:rPr lang="en-US" dirty="0" smtClean="0"/>
-              <a:t>ommon </a:t>
-            </a:r>
-            <a:r>
-              <a:rPr lang="en-US" dirty="0"/>
-              <a:t>set of metadata</a:t>
-            </a:r>
-          </a:p>
-          <a:p>
-            <a:pPr lvl="1"/>
-            <a:r>
-              <a:rPr lang="en-US" dirty="0" smtClean="0"/>
-              <a:t>Human-readable </a:t>
-            </a:r>
-            <a:r>
-              <a:rPr lang="en-US" dirty="0"/>
-              <a:t>part</a:t>
+              <a:t>Key component is Resource, which defines and represents data elements, building them from data types that define common reusable patterns of elements</a:t>
             </a:r>
           </a:p>
         </p:txBody>
@@ -28077,8 +27706,9 @@
           <a:p>
             <a:r>
               <a:rPr lang="en-US" dirty="0"/>
-              <a:t>(Boone, 2012)</a:t>
-            </a:r>
+              <a:t>(Boone, 2012; Bender, 2013)</a:t>
+            </a:r>
+            <a:endParaRPr lang="en-US" dirty="0"/>
           </a:p>
         </p:txBody>
       </p:sp>
@@ -28140,8 +27770,8 @@
           <a:lstStyle/>
           <a:p>
             <a:r>
-              <a:rPr lang="en-US" dirty="0" smtClean="0"/>
-              <a:t>Readable resource: FHIR for Clinical Users</a:t>
+              <a:rPr lang="en-US" dirty="0"/>
+              <a:t>Overview of FHIR </a:t>
             </a:r>
             <a:endParaRPr lang="en-US" dirty="0"/>
           </a:p>
@@ -28165,134 +27795,66 @@
           <a:lstStyle/>
           <a:p>
             <a:r>
+              <a:rPr lang="en-US" dirty="0"/>
+              <a:t>Four types (patterns) of use</a:t>
+            </a:r>
+          </a:p>
+          <a:p>
+            <a:pPr lvl="1"/>
+            <a:r>
+              <a:rPr lang="en-US" dirty="0"/>
+              <a:t>Documents – sharing notes, summaries, letters, etc.</a:t>
+            </a:r>
+          </a:p>
+          <a:p>
+            <a:pPr lvl="1"/>
+            <a:r>
+              <a:rPr lang="en-US" dirty="0"/>
+              <a:t>Messages – sharing structured data, e.g., laboratory test results</a:t>
+            </a:r>
+          </a:p>
+          <a:p>
+            <a:pPr lvl="1"/>
+            <a:r>
+              <a:rPr lang="en-US" dirty="0"/>
+              <a:t>API – exposing functionality and data across applications, e.g., decision support on a mobile device</a:t>
+            </a:r>
+          </a:p>
+          <a:p>
+            <a:pPr lvl="1"/>
+            <a:r>
+              <a:rPr lang="en-US" dirty="0"/>
+              <a:t>Operations – extending API to expose logic, e.g., a decision support service accessed by a prescribing app</a:t>
+            </a:r>
+          </a:p>
+          <a:p>
+            <a:r>
+              <a:rPr lang="en-US" dirty="0"/>
+              <a:t>Resources provide the building blocks of profiles, which define their use in a specific clinical context</a:t>
+            </a:r>
+          </a:p>
+          <a:p>
+            <a:r>
+              <a:rPr lang="en-US" dirty="0"/>
+              <a:t>Semantics are standardized via common terminology</a:t>
+            </a:r>
+          </a:p>
+          <a:p>
+            <a:pPr lvl="1"/>
+            <a:r>
+              <a:rPr lang="en-US" dirty="0"/>
+              <a:t>Based on standard code systems</a:t>
+            </a:r>
+          </a:p>
+          <a:p>
+            <a:pPr lvl="1"/>
+            <a:r>
+              <a:rPr lang="en-US" dirty="0"/>
+              <a:t>Value sets for specific uses of codes in a given clinical context, with value defined (and constrained</a:t>
+            </a:r>
+            <a:r>
               <a:rPr lang="en-US" dirty="0" smtClean="0"/>
-              <a:t>API like accessing a file cabinet</a:t>
-            </a:r>
-          </a:p>
-          <a:p>
-            <a:pPr lvl="1"/>
-            <a:r>
-              <a:rPr lang="en-US" dirty="0" smtClean="0"/>
-              <a:t>Search – search </a:t>
-            </a:r>
-            <a:r>
-              <a:rPr lang="en-US" dirty="0"/>
-              <a:t>through </a:t>
-            </a:r>
-            <a:r>
-              <a:rPr lang="en-US" dirty="0" smtClean="0"/>
-              <a:t>folders </a:t>
-            </a:r>
-            <a:r>
-              <a:rPr lang="en-US" dirty="0"/>
-              <a:t>for ones that meet </a:t>
-            </a:r>
-            <a:r>
-              <a:rPr lang="en-US" dirty="0" smtClean="0"/>
-              <a:t>set </a:t>
-            </a:r>
-            <a:r>
-              <a:rPr lang="en-US" dirty="0"/>
-              <a:t>of search criteria</a:t>
-            </a:r>
-          </a:p>
-          <a:p>
-            <a:pPr lvl="1"/>
-            <a:r>
-              <a:rPr lang="en-US" dirty="0" smtClean="0"/>
-              <a:t>Read – get copy </a:t>
-            </a:r>
-            <a:r>
-              <a:rPr lang="en-US" dirty="0"/>
-              <a:t>of one of </a:t>
-            </a:r>
-            <a:r>
-              <a:rPr lang="en-US" dirty="0" smtClean="0"/>
-              <a:t>specific </a:t>
-            </a:r>
-            <a:r>
-              <a:rPr lang="en-US" dirty="0"/>
-              <a:t>folders in </a:t>
-            </a:r>
-            <a:r>
-              <a:rPr lang="en-US" dirty="0" smtClean="0"/>
-              <a:t>drawer</a:t>
-            </a:r>
-            <a:endParaRPr lang="en-US" dirty="0"/>
-          </a:p>
-          <a:p>
-            <a:pPr lvl="1"/>
-            <a:r>
-              <a:rPr lang="en-US" dirty="0" smtClean="0"/>
-              <a:t>Create – add new </a:t>
-            </a:r>
-            <a:r>
-              <a:rPr lang="en-US" dirty="0"/>
-              <a:t>folder to the appropriate drawer (with a new number)</a:t>
-            </a:r>
-          </a:p>
-          <a:p>
-            <a:pPr lvl="1"/>
-            <a:r>
-              <a:rPr lang="en-US" dirty="0" smtClean="0"/>
-              <a:t>Update – alter contents </a:t>
-            </a:r>
-            <a:r>
-              <a:rPr lang="en-US" dirty="0"/>
-              <a:t>of </a:t>
-            </a:r>
-            <a:r>
-              <a:rPr lang="en-US" dirty="0" smtClean="0"/>
-              <a:t>specific </a:t>
-            </a:r>
-            <a:r>
-              <a:rPr lang="en-US" dirty="0"/>
-              <a:t>folder</a:t>
-            </a:r>
-          </a:p>
-          <a:p>
-            <a:pPr lvl="1"/>
-            <a:r>
-              <a:rPr lang="en-US" dirty="0" smtClean="0"/>
-              <a:t>Delete – remove </a:t>
-            </a:r>
-            <a:r>
-              <a:rPr lang="en-US" dirty="0"/>
-              <a:t>a folder from the </a:t>
-            </a:r>
-            <a:r>
-              <a:rPr lang="en-US" dirty="0" smtClean="0"/>
-              <a:t>cabinet</a:t>
-            </a:r>
-          </a:p>
-          <a:p>
-            <a:pPr lvl="1"/>
-            <a:r>
-              <a:rPr lang="en-US" dirty="0" smtClean="0"/>
-              <a:t>History – get history </a:t>
-            </a:r>
-            <a:r>
-              <a:rPr lang="en-US" dirty="0"/>
-              <a:t>for one of the folders, or an entire drawer, or </a:t>
-            </a:r>
-            <a:r>
-              <a:rPr lang="en-US" dirty="0" smtClean="0"/>
-              <a:t>entire system</a:t>
-            </a:r>
-          </a:p>
-          <a:p>
-            <a:pPr lvl="1"/>
-            <a:r>
-              <a:rPr lang="en-US" dirty="0" smtClean="0"/>
-              <a:t>Transaction – give server </a:t>
-            </a:r>
-            <a:r>
-              <a:rPr lang="en-US" dirty="0"/>
-              <a:t>a bunch of folders all at once to </a:t>
-            </a:r>
-            <a:r>
-              <a:rPr lang="en-US" dirty="0" smtClean="0"/>
-              <a:t>update</a:t>
+              <a:t>)</a:t>
             </a:r>
             <a:endParaRPr lang="en-US" dirty="0"/>
           </a:p>
@@ -28313,7 +27875,11 @@
           <a:bodyPr/>
           <a:lstStyle/>
           <a:p>
-            <a:endParaRPr lang="en-US"/>
+            <a:r>
+              <a:rPr lang="en-US" dirty="0"/>
+              <a:t>(Hay, 2016)</a:t>
+            </a:r>
+            <a:endParaRPr lang="en-US" dirty="0"/>
           </a:p>
         </p:txBody>
       </p:sp>
@@ -28341,6 +27907,407 @@
 </file>
 
 <file path=ppt/slides/slide13.xml><?xml version="1.0" encoding="utf-8"?>
+<p:sld xmlns:a="http://schemas.openxmlformats.org/drawingml/2006/main" xmlns:r="http://schemas.openxmlformats.org/officeDocument/2006/relationships" xmlns:p="http://schemas.openxmlformats.org/presentationml/2006/main">
+  <p:cSld>
+    <p:spTree>
+      <p:nvGrpSpPr>
+        <p:cNvPr id="1" name=""/>
+        <p:cNvGrpSpPr/>
+        <p:nvPr/>
+      </p:nvGrpSpPr>
+      <p:grpSpPr>
+        <a:xfrm>
+          <a:off x="0" y="0"/>
+          <a:ext cx="0" cy="0"/>
+          <a:chOff x="0" y="0"/>
+          <a:chExt cx="0" cy="0"/>
+        </a:xfrm>
+      </p:grpSpPr>
+      <p:sp>
+        <p:nvSpPr>
+          <p:cNvPr id="7" name="Title 6"/>
+          <p:cNvSpPr>
+            <a:spLocks noGrp="1"/>
+          </p:cNvSpPr>
+          <p:nvPr>
+            <p:ph type="title"/>
+          </p:nvPr>
+        </p:nvSpPr>
+        <p:spPr/>
+        <p:txBody>
+          <a:bodyPr>
+            <a:normAutofit/>
+          </a:bodyPr>
+          <a:lstStyle/>
+          <a:p>
+            <a:r>
+              <a:rPr lang="en-US" dirty="0" smtClean="0"/>
+              <a:t>Overview: </a:t>
+            </a:r>
+            <a:r>
+              <a:rPr lang="en-US" dirty="0" smtClean="0"/>
+              <a:t>FHIR for Clinical Users</a:t>
+            </a:r>
+            <a:endParaRPr lang="en-US" dirty="0"/>
+          </a:p>
+        </p:txBody>
+      </p:sp>
+      <p:sp>
+        <p:nvSpPr>
+          <p:cNvPr id="8" name="Content Placeholder 7"/>
+          <p:cNvSpPr>
+            <a:spLocks noGrp="1"/>
+          </p:cNvSpPr>
+          <p:nvPr>
+            <p:ph idx="1"/>
+          </p:nvPr>
+        </p:nvSpPr>
+        <p:spPr/>
+        <p:txBody>
+          <a:bodyPr>
+            <a:normAutofit/>
+          </a:bodyPr>
+          <a:lstStyle/>
+          <a:p>
+            <a:r>
+              <a:rPr lang="en-US" dirty="0" smtClean="0"/>
+              <a:t>API like accessing a file cabinet</a:t>
+            </a:r>
+          </a:p>
+          <a:p>
+            <a:pPr lvl="1"/>
+            <a:r>
+              <a:rPr lang="en-US" dirty="0" smtClean="0"/>
+              <a:t>Search – search </a:t>
+            </a:r>
+            <a:r>
+              <a:rPr lang="en-US" dirty="0"/>
+              <a:t>through </a:t>
+            </a:r>
+            <a:r>
+              <a:rPr lang="en-US" dirty="0" smtClean="0"/>
+              <a:t>folders </a:t>
+            </a:r>
+            <a:r>
+              <a:rPr lang="en-US" dirty="0"/>
+              <a:t>for ones that meet </a:t>
+            </a:r>
+            <a:r>
+              <a:rPr lang="en-US" dirty="0" smtClean="0"/>
+              <a:t>set </a:t>
+            </a:r>
+            <a:r>
+              <a:rPr lang="en-US" dirty="0"/>
+              <a:t>of search criteria</a:t>
+            </a:r>
+          </a:p>
+          <a:p>
+            <a:pPr lvl="1"/>
+            <a:r>
+              <a:rPr lang="en-US" dirty="0" smtClean="0"/>
+              <a:t>Read – get copy </a:t>
+            </a:r>
+            <a:r>
+              <a:rPr lang="en-US" dirty="0"/>
+              <a:t>of one of </a:t>
+            </a:r>
+            <a:r>
+              <a:rPr lang="en-US" dirty="0" smtClean="0"/>
+              <a:t>specific </a:t>
+            </a:r>
+            <a:r>
+              <a:rPr lang="en-US" dirty="0"/>
+              <a:t>folders in </a:t>
+            </a:r>
+            <a:r>
+              <a:rPr lang="en-US" dirty="0" smtClean="0"/>
+              <a:t>drawer</a:t>
+            </a:r>
+            <a:endParaRPr lang="en-US" dirty="0"/>
+          </a:p>
+          <a:p>
+            <a:pPr lvl="1"/>
+            <a:r>
+              <a:rPr lang="en-US" dirty="0" smtClean="0"/>
+              <a:t>Create – add new </a:t>
+            </a:r>
+            <a:r>
+              <a:rPr lang="en-US" dirty="0"/>
+              <a:t>folder to the appropriate drawer (with a new number)</a:t>
+            </a:r>
+          </a:p>
+          <a:p>
+            <a:pPr lvl="1"/>
+            <a:r>
+              <a:rPr lang="en-US" dirty="0" smtClean="0"/>
+              <a:t>Update – alter contents </a:t>
+            </a:r>
+            <a:r>
+              <a:rPr lang="en-US" dirty="0"/>
+              <a:t>of </a:t>
+            </a:r>
+            <a:r>
+              <a:rPr lang="en-US" dirty="0" smtClean="0"/>
+              <a:t>specific </a:t>
+            </a:r>
+            <a:r>
+              <a:rPr lang="en-US" dirty="0"/>
+              <a:t>folder</a:t>
+            </a:r>
+          </a:p>
+          <a:p>
+            <a:pPr lvl="1"/>
+            <a:r>
+              <a:rPr lang="en-US" dirty="0" smtClean="0"/>
+              <a:t>Delete – remove </a:t>
+            </a:r>
+            <a:r>
+              <a:rPr lang="en-US" dirty="0"/>
+              <a:t>a folder from the </a:t>
+            </a:r>
+            <a:r>
+              <a:rPr lang="en-US" dirty="0" smtClean="0"/>
+              <a:t>cabinet</a:t>
+            </a:r>
+          </a:p>
+          <a:p>
+            <a:pPr lvl="1"/>
+            <a:r>
+              <a:rPr lang="en-US" dirty="0" smtClean="0"/>
+              <a:t>History – get history </a:t>
+            </a:r>
+            <a:r>
+              <a:rPr lang="en-US" dirty="0"/>
+              <a:t>for one of the folders, or an entire drawer, or </a:t>
+            </a:r>
+            <a:r>
+              <a:rPr lang="en-US" dirty="0" smtClean="0"/>
+              <a:t>entire system</a:t>
+            </a:r>
+          </a:p>
+          <a:p>
+            <a:pPr lvl="1"/>
+            <a:r>
+              <a:rPr lang="en-US" dirty="0" smtClean="0"/>
+              <a:t>Transaction – give server </a:t>
+            </a:r>
+            <a:r>
+              <a:rPr lang="en-US" dirty="0"/>
+              <a:t>a bunch of folders all at once to </a:t>
+            </a:r>
+            <a:r>
+              <a:rPr lang="en-US" dirty="0" smtClean="0"/>
+              <a:t>update</a:t>
+            </a:r>
+            <a:endParaRPr lang="en-US" dirty="0"/>
+          </a:p>
+        </p:txBody>
+      </p:sp>
+      <p:sp>
+        <p:nvSpPr>
+          <p:cNvPr id="2" name="Content Placeholder 1"/>
+          <p:cNvSpPr>
+            <a:spLocks noGrp="1"/>
+          </p:cNvSpPr>
+          <p:nvPr>
+            <p:ph sz="quarter" idx="14"/>
+          </p:nvPr>
+        </p:nvSpPr>
+        <p:spPr/>
+        <p:txBody>
+          <a:bodyPr/>
+          <a:lstStyle/>
+          <a:p>
+            <a:endParaRPr lang="en-US"/>
+          </a:p>
+        </p:txBody>
+      </p:sp>
+    </p:spTree>
+    <p:custDataLst>
+      <p:tags r:id="rId1"/>
+    </p:custDataLst>
+    <p:extLst>
+      <p:ext uri="{BB962C8B-B14F-4D97-AF65-F5344CB8AC3E}">
+        <p14:creationId xmlns:p14="http://schemas.microsoft.com/office/powerpoint/2010/main" val="1008860830"/>
+      </p:ext>
+    </p:extLst>
+  </p:cSld>
+  <p:clrMapOvr>
+    <a:masterClrMapping/>
+  </p:clrMapOvr>
+  <p:timing>
+    <p:tnLst>
+      <p:par>
+        <p:cTn id="1" dur="indefinite" restart="never" nodeType="tmRoot"/>
+      </p:par>
+    </p:tnLst>
+  </p:timing>
+</p:sld>
+</file>
+
+<file path=ppt/slides/slide14.xml><?xml version="1.0" encoding="utf-8"?>
+<p:sld xmlns:a="http://schemas.openxmlformats.org/drawingml/2006/main" xmlns:r="http://schemas.openxmlformats.org/officeDocument/2006/relationships" xmlns:p="http://schemas.openxmlformats.org/presentationml/2006/main">
+  <p:cSld>
+    <p:spTree>
+      <p:nvGrpSpPr>
+        <p:cNvPr id="1" name=""/>
+        <p:cNvGrpSpPr/>
+        <p:nvPr/>
+      </p:nvGrpSpPr>
+      <p:grpSpPr>
+        <a:xfrm>
+          <a:off x="0" y="0"/>
+          <a:ext cx="0" cy="0"/>
+          <a:chOff x="0" y="0"/>
+          <a:chExt cx="0" cy="0"/>
+        </a:xfrm>
+      </p:grpSpPr>
+      <p:sp>
+        <p:nvSpPr>
+          <p:cNvPr id="2" name="Title 1"/>
+          <p:cNvSpPr>
+            <a:spLocks noGrp="1"/>
+          </p:cNvSpPr>
+          <p:nvPr>
+            <p:ph type="title"/>
+          </p:nvPr>
+        </p:nvSpPr>
+        <p:spPr/>
+        <p:txBody>
+          <a:bodyPr>
+            <a:normAutofit/>
+          </a:bodyPr>
+          <a:lstStyle/>
+          <a:p>
+            <a:r>
+              <a:rPr lang="en-US" dirty="0"/>
+              <a:t>Growing development of </a:t>
+            </a:r>
+            <a:r>
+              <a:rPr lang="en-US" dirty="0" smtClean="0"/>
+              <a:t>Resources</a:t>
+            </a:r>
+            <a:endParaRPr lang="en-US" dirty="0"/>
+          </a:p>
+        </p:txBody>
+      </p:sp>
+      <p:sp>
+        <p:nvSpPr>
+          <p:cNvPr id="7" name="Content Placeholder 6"/>
+          <p:cNvSpPr>
+            <a:spLocks noGrp="1"/>
+          </p:cNvSpPr>
+          <p:nvPr>
+            <p:ph idx="1"/>
+          </p:nvPr>
+        </p:nvSpPr>
+        <p:spPr/>
+        <p:txBody>
+          <a:bodyPr/>
+          <a:lstStyle/>
+          <a:p>
+            <a:pPr marL="0" indent="0">
+              <a:buNone/>
+            </a:pPr>
+            <a:endParaRPr lang="en-US" dirty="0"/>
+          </a:p>
+        </p:txBody>
+      </p:sp>
+      <p:sp>
+        <p:nvSpPr>
+          <p:cNvPr id="8" name="Content Placeholder 7"/>
+          <p:cNvSpPr>
+            <a:spLocks noGrp="1"/>
+          </p:cNvSpPr>
+          <p:nvPr>
+            <p:ph sz="quarter" idx="14"/>
+          </p:nvPr>
+        </p:nvSpPr>
+        <p:spPr/>
+        <p:txBody>
+          <a:bodyPr/>
+          <a:lstStyle/>
+          <a:p>
+            <a:endParaRPr lang="en-US"/>
+          </a:p>
+        </p:txBody>
+      </p:sp>
+      <p:pic>
+        <p:nvPicPr>
+          <p:cNvPr id="9" name="Picture 8"/>
+          <p:cNvPicPr/>
+          <p:nvPr/>
+        </p:nvPicPr>
+        <p:blipFill>
+          <a:blip r:embed="rId4" cstate="email">
+            <a:extLst>
+              <a:ext uri="{28A0092B-C50C-407E-A947-70E740481C1C}">
+                <a14:useLocalDpi xmlns:a14="http://schemas.microsoft.com/office/drawing/2010/main" val="0"/>
+              </a:ext>
+            </a:extLst>
+          </a:blip>
+          <a:stretch>
+            <a:fillRect/>
+          </a:stretch>
+        </p:blipFill>
+        <p:spPr>
+          <a:xfrm>
+            <a:off x="3943350" y="2800350"/>
+            <a:ext cx="1257300" cy="1257300"/>
+          </a:xfrm>
+          <a:prstGeom prst="rect">
+            <a:avLst/>
+          </a:prstGeom>
+        </p:spPr>
+      </p:pic>
+      <p:pic>
+        <p:nvPicPr>
+          <p:cNvPr id="6" name="Picture 5"/>
+          <p:cNvPicPr>
+            <a:picLocks noChangeAspect="1"/>
+          </p:cNvPicPr>
+          <p:nvPr/>
+        </p:nvPicPr>
+        <p:blipFill>
+          <a:blip r:embed="rId5"/>
+          <a:stretch>
+            <a:fillRect/>
+          </a:stretch>
+        </p:blipFill>
+        <p:spPr>
+          <a:xfrm>
+            <a:off x="647700" y="1037325"/>
+            <a:ext cx="7848600" cy="5249531"/>
+          </a:xfrm>
+          <a:prstGeom prst="rect">
+            <a:avLst/>
+          </a:prstGeom>
+        </p:spPr>
+      </p:pic>
+    </p:spTree>
+    <p:custDataLst>
+      <p:tags r:id="rId1"/>
+    </p:custDataLst>
+    <p:extLst>
+      <p:ext uri="{BB962C8B-B14F-4D97-AF65-F5344CB8AC3E}">
+        <p14:creationId xmlns:p14="http://schemas.microsoft.com/office/powerpoint/2010/main" val="3251353176"/>
+      </p:ext>
+    </p:extLst>
+  </p:cSld>
+  <p:clrMapOvr>
+    <a:masterClrMapping/>
+  </p:clrMapOvr>
+  <p:timing>
+    <p:tnLst>
+      <p:par>
+        <p:cTn id="1" dur="indefinite" restart="never" nodeType="tmRoot"/>
+      </p:par>
+    </p:tnLst>
+  </p:timing>
+</p:sld>
+</file>
+
+<file path=ppt/slides/slide15.xml><?xml version="1.0" encoding="utf-8"?>
 <p:sld xmlns:a="http://schemas.openxmlformats.org/drawingml/2006/main" xmlns:r="http://schemas.openxmlformats.org/officeDocument/2006/relationships" xmlns:p="http://schemas.openxmlformats.org/presentationml/2006/main">
   <p:cSld>
     <p:spTree>
@@ -28491,7 +28458,7 @@
 </p:sld>
 </file>
 
-<file path=ppt/slides/slide14.xml><?xml version="1.0" encoding="utf-8"?>
+<file path=ppt/slides/slide16.xml><?xml version="1.0" encoding="utf-8"?>
 <p:sld xmlns:a="http://schemas.openxmlformats.org/drawingml/2006/main" xmlns:r="http://schemas.openxmlformats.org/officeDocument/2006/relationships" xmlns:p="http://schemas.openxmlformats.org/presentationml/2006/main">
   <p:cSld>
     <p:spTree>
@@ -28548,6 +28515,19 @@
           <a:bodyPr/>
           <a:lstStyle/>
           <a:p>
+            <a:r>
+              <a:rPr lang="en-US" dirty="0"/>
+              <a:t>EHR System Functional </a:t>
+            </a:r>
+            <a:r>
+              <a:rPr lang="en-US" dirty="0" smtClean="0"/>
+              <a:t>Standard</a:t>
+            </a:r>
+            <a:endParaRPr lang="en-US" dirty="0" smtClean="0">
+              <a:latin typeface="Calibri" charset="0"/>
+            </a:endParaRPr>
+          </a:p>
+          <a:p>
             <a:pPr eaLnBrk="1" hangingPunct="1"/>
             <a:r>
               <a:rPr lang="en-US" dirty="0" smtClean="0">
@@ -28627,346 +28607,6 @@
             <a:endParaRPr lang="en-US" dirty="0">
               <a:latin typeface="Calibri" charset="0"/>
             </a:endParaRPr>
-          </a:p>
-        </p:txBody>
-      </p:sp>
-      <p:sp>
-        <p:nvSpPr>
-          <p:cNvPr id="2" name="Content Placeholder 1"/>
-          <p:cNvSpPr>
-            <a:spLocks noGrp="1"/>
-          </p:cNvSpPr>
-          <p:nvPr>
-            <p:ph sz="quarter" idx="14"/>
-          </p:nvPr>
-        </p:nvSpPr>
-        <p:spPr/>
-        <p:txBody>
-          <a:bodyPr/>
-          <a:lstStyle/>
-          <a:p>
-            <a:endParaRPr lang="en-US"/>
-          </a:p>
-        </p:txBody>
-      </p:sp>
-    </p:spTree>
-    <p:custDataLst>
-      <p:tags r:id="rId1"/>
-    </p:custDataLst>
-  </p:cSld>
-  <p:clrMapOvr>
-    <a:masterClrMapping/>
-  </p:clrMapOvr>
-  <p:transition/>
-  <p:timing>
-    <p:tnLst>
-      <p:par>
-        <p:cTn id="1" dur="indefinite" restart="never" nodeType="tmRoot"/>
-      </p:par>
-    </p:tnLst>
-  </p:timing>
-</p:sld>
-</file>
-
-<file path=ppt/slides/slide15.xml><?xml version="1.0" encoding="utf-8"?>
-<p:sld xmlns:a="http://schemas.openxmlformats.org/drawingml/2006/main" xmlns:r="http://schemas.openxmlformats.org/officeDocument/2006/relationships" xmlns:p="http://schemas.openxmlformats.org/presentationml/2006/main">
-  <p:cSld>
-    <p:spTree>
-      <p:nvGrpSpPr>
-        <p:cNvPr id="1" name=""/>
-        <p:cNvGrpSpPr/>
-        <p:nvPr/>
-      </p:nvGrpSpPr>
-      <p:grpSpPr>
-        <a:xfrm>
-          <a:off x="0" y="0"/>
-          <a:ext cx="0" cy="0"/>
-          <a:chOff x="0" y="0"/>
-          <a:chExt cx="0" cy="0"/>
-        </a:xfrm>
-      </p:grpSpPr>
-      <p:sp>
-        <p:nvSpPr>
-          <p:cNvPr id="19458" name="Rectangle 7"/>
-          <p:cNvSpPr>
-            <a:spLocks noGrp="1" noChangeArrowheads="1"/>
-          </p:cNvSpPr>
-          <p:nvPr>
-            <p:ph type="title"/>
-          </p:nvPr>
-        </p:nvSpPr>
-        <p:spPr/>
-        <p:txBody>
-          <a:bodyPr>
-            <a:normAutofit fontScale="90000"/>
-          </a:bodyPr>
-          <a:lstStyle/>
-          <a:p>
-            <a:pPr eaLnBrk="1" hangingPunct="1"/>
-            <a:r>
-              <a:rPr lang="en-US" sz="4000" dirty="0">
-                <a:latin typeface="Calibri" charset="0"/>
-              </a:rPr>
-              <a:t>Clinical Context Object Workgroup (CCOW)</a:t>
-            </a:r>
-          </a:p>
-        </p:txBody>
-      </p:sp>
-      <p:sp>
-        <p:nvSpPr>
-          <p:cNvPr id="25608" name="Rectangle 8"/>
-          <p:cNvSpPr>
-            <a:spLocks noGrp="1" noChangeArrowheads="1"/>
-          </p:cNvSpPr>
-          <p:nvPr>
-            <p:ph idx="1"/>
-          </p:nvPr>
-        </p:nvSpPr>
-        <p:spPr/>
-        <p:txBody>
-          <a:bodyPr>
-            <a:normAutofit/>
-          </a:bodyPr>
-          <a:lstStyle/>
-          <a:p>
-            <a:pPr eaLnBrk="1" hangingPunct="1">
-              <a:lnSpc>
-                <a:spcPct val="80000"/>
-              </a:lnSpc>
-            </a:pPr>
-            <a:r>
-              <a:rPr lang="en-US" dirty="0" smtClean="0"/>
-              <a:t>Manages </a:t>
-            </a:r>
-            <a:r>
-              <a:rPr lang="en-US" dirty="0"/>
-              <a:t>context of caregivers who may need to access different computer applications in process of care</a:t>
-            </a:r>
-            <a:endParaRPr lang="en-US" dirty="0">
-              <a:solidFill>
-                <a:srgbClr val="7F7F7F"/>
-              </a:solidFill>
-            </a:endParaRPr>
-          </a:p>
-          <a:p>
-            <a:pPr eaLnBrk="1" hangingPunct="1">
-              <a:lnSpc>
-                <a:spcPct val="80000"/>
-              </a:lnSpc>
-            </a:pPr>
-            <a:r>
-              <a:rPr lang="en-US" dirty="0"/>
-              <a:t>Oft-stated goal is </a:t>
-            </a:r>
-            <a:r>
-              <a:rPr lang="en-US" altLang="ja-JP" dirty="0" smtClean="0"/>
-              <a:t>“</a:t>
-            </a:r>
-            <a:r>
-              <a:rPr lang="en-US" dirty="0" smtClean="0"/>
-              <a:t>single </a:t>
-            </a:r>
-            <a:r>
-              <a:rPr lang="en-US" dirty="0"/>
-              <a:t>sign-</a:t>
-            </a:r>
-            <a:r>
-              <a:rPr lang="en-US" dirty="0" smtClean="0"/>
-              <a:t>on</a:t>
-            </a:r>
-            <a:r>
-              <a:rPr lang="en-US" altLang="ja-JP" dirty="0" smtClean="0"/>
-              <a:t>”</a:t>
-            </a:r>
-            <a:r>
-              <a:rPr lang="en-US" dirty="0" smtClean="0"/>
-              <a:t> </a:t>
-            </a:r>
-            <a:r>
-              <a:rPr lang="en-US" dirty="0"/>
-              <a:t>across applications, network, data, etc.</a:t>
-            </a:r>
-            <a:endParaRPr lang="en-US" dirty="0">
-              <a:solidFill>
-                <a:srgbClr val="7F7F7F"/>
-              </a:solidFill>
-            </a:endParaRPr>
-          </a:p>
-          <a:p>
-            <a:pPr eaLnBrk="1" hangingPunct="1">
-              <a:lnSpc>
-                <a:spcPct val="80000"/>
-              </a:lnSpc>
-            </a:pPr>
-            <a:r>
-              <a:rPr lang="en-US" dirty="0"/>
-              <a:t>Defines protocol that enables applications to link context of patient, provider(s), encounter, etc.</a:t>
-            </a:r>
-          </a:p>
-          <a:p>
-            <a:pPr eaLnBrk="1" hangingPunct="1">
-              <a:lnSpc>
-                <a:spcPct val="80000"/>
-              </a:lnSpc>
-            </a:pPr>
-            <a:r>
-              <a:rPr lang="en-US" dirty="0"/>
-              <a:t>Not widely used, but an implementation described </a:t>
-            </a:r>
-            <a:r>
-              <a:rPr lang="en-US" dirty="0" smtClean="0"/>
-              <a:t>in</a:t>
-            </a:r>
-            <a:endParaRPr lang="en-US" dirty="0"/>
-          </a:p>
-        </p:txBody>
-      </p:sp>
-      <p:sp>
-        <p:nvSpPr>
-          <p:cNvPr id="2" name="Content Placeholder 1"/>
-          <p:cNvSpPr>
-            <a:spLocks noGrp="1"/>
-          </p:cNvSpPr>
-          <p:nvPr>
-            <p:ph sz="quarter" idx="14"/>
-          </p:nvPr>
-        </p:nvSpPr>
-        <p:spPr/>
-        <p:txBody>
-          <a:bodyPr/>
-          <a:lstStyle/>
-          <a:p>
-            <a:r>
-              <a:rPr lang="en-US" dirty="0"/>
-              <a:t>(Berger, 2009)</a:t>
-            </a:r>
-          </a:p>
-        </p:txBody>
-      </p:sp>
-    </p:spTree>
-    <p:custDataLst>
-      <p:tags r:id="rId1"/>
-    </p:custDataLst>
-  </p:cSld>
-  <p:clrMapOvr>
-    <a:masterClrMapping/>
-  </p:clrMapOvr>
-  <p:transition/>
-  <p:timing>
-    <p:tnLst>
-      <p:par>
-        <p:cTn id="1" dur="indefinite" restart="never" nodeType="tmRoot"/>
-      </p:par>
-    </p:tnLst>
-  </p:timing>
-</p:sld>
-</file>
-
-<file path=ppt/slides/slide16.xml><?xml version="1.0" encoding="utf-8"?>
-<p:sld xmlns:a="http://schemas.openxmlformats.org/drawingml/2006/main" xmlns:r="http://schemas.openxmlformats.org/officeDocument/2006/relationships" xmlns:p="http://schemas.openxmlformats.org/presentationml/2006/main">
-  <p:cSld>
-    <p:spTree>
-      <p:nvGrpSpPr>
-        <p:cNvPr id="1" name=""/>
-        <p:cNvGrpSpPr/>
-        <p:nvPr/>
-      </p:nvGrpSpPr>
-      <p:grpSpPr>
-        <a:xfrm>
-          <a:off x="0" y="0"/>
-          <a:ext cx="0" cy="0"/>
-          <a:chOff x="0" y="0"/>
-          <a:chExt cx="0" cy="0"/>
-        </a:xfrm>
-      </p:grpSpPr>
-      <p:sp>
-        <p:nvSpPr>
-          <p:cNvPr id="20482" name="Rectangle 7"/>
-          <p:cNvSpPr>
-            <a:spLocks noGrp="1" noChangeArrowheads="1"/>
-          </p:cNvSpPr>
-          <p:nvPr>
-            <p:ph type="title"/>
-          </p:nvPr>
-        </p:nvSpPr>
-        <p:spPr/>
-        <p:txBody>
-          <a:bodyPr>
-            <a:normAutofit/>
-          </a:bodyPr>
-          <a:lstStyle/>
-          <a:p>
-            <a:r>
-              <a:rPr lang="en-US" dirty="0" smtClean="0"/>
-              <a:t>Clinical Decision Support Workgroup</a:t>
-            </a:r>
-            <a:endParaRPr lang="en-US" dirty="0"/>
-          </a:p>
-        </p:txBody>
-      </p:sp>
-      <p:sp>
-        <p:nvSpPr>
-          <p:cNvPr id="20483" name="Rectangle 8"/>
-          <p:cNvSpPr>
-            <a:spLocks noGrp="1" noChangeArrowheads="1"/>
-          </p:cNvSpPr>
-          <p:nvPr>
-            <p:ph idx="1"/>
-          </p:nvPr>
-        </p:nvSpPr>
-        <p:spPr/>
-        <p:txBody>
-          <a:bodyPr>
-            <a:normAutofit/>
-          </a:bodyPr>
-          <a:lstStyle/>
-          <a:p>
-            <a:r>
-              <a:rPr lang="en-US" dirty="0" smtClean="0"/>
-              <a:t>Aiming to reconcile competing approaches to clinical decision support (CDS) and clinical guidelines</a:t>
-            </a:r>
-          </a:p>
-          <a:p>
-            <a:r>
-              <a:rPr lang="en-US" dirty="0" smtClean="0"/>
-              <a:t>Workgroup projects</a:t>
-            </a:r>
-          </a:p>
-          <a:p>
-            <a:pPr lvl="1"/>
-            <a:r>
-              <a:rPr lang="en-US" dirty="0" smtClean="0"/>
-              <a:t>Virtual Medical Record (VMR) – data model for representing input and output to CDS systems</a:t>
-            </a:r>
-          </a:p>
-          <a:p>
-            <a:pPr lvl="1"/>
-            <a:r>
-              <a:rPr lang="en-US" dirty="0" smtClean="0"/>
-              <a:t>Terminology management model – Clinical Terminology Services 2 (CTS2)</a:t>
-            </a:r>
-          </a:p>
-          <a:p>
-            <a:pPr lvl="1"/>
-            <a:r>
-              <a:rPr lang="en-US" dirty="0" smtClean="0"/>
-              <a:t>Formalism for data manipulation in CDS – GELLO</a:t>
-            </a:r>
-          </a:p>
-          <a:p>
-            <a:pPr lvl="1"/>
-            <a:r>
-              <a:rPr lang="en-US" dirty="0" smtClean="0"/>
-              <a:t>Formal method for describing process and work flow</a:t>
-            </a:r>
-          </a:p>
-          <a:p>
-            <a:pPr lvl="1"/>
-            <a:r>
-              <a:rPr lang="en-US" dirty="0" smtClean="0"/>
-              <a:t>Taxonomy of services or actions evoked by guidelines</a:t>
-            </a:r>
-            <a:endParaRPr lang="en-US" dirty="0"/>
           </a:p>
         </p:txBody>
       </p:sp>
@@ -29572,8 +29212,23 @@
           <a:p>
             <a:r>
               <a:rPr lang="en-US" dirty="0" smtClean="0"/>
-              <a:t>Health Level 7 (HL7)</a:t>
-            </a:r>
+              <a:t>Health Level 7 (HL7</a:t>
+            </a:r>
+            <a:r>
+              <a:rPr lang="en-US" dirty="0" smtClean="0"/>
+              <a:t>)</a:t>
+            </a:r>
+          </a:p>
+          <a:p>
+            <a:r>
+              <a:rPr lang="en-US" dirty="0"/>
+              <a:t>Fast Healthcare Interoperability Resources (FHIR</a:t>
+            </a:r>
+            <a:r>
+              <a:rPr lang="en-US" dirty="0" smtClean="0"/>
+              <a:t>)</a:t>
+            </a:r>
+            <a:endParaRPr lang="en-US" dirty="0" smtClean="0"/>
           </a:p>
           <a:p>
             <a:r>
@@ -32056,8 +31711,33 @@
               <a:rPr lang="en-US" dirty="0" smtClean="0">
                 <a:ea typeface="+mn-ea"/>
               </a:rPr>
-              <a:t>Version 3 still being adopted and aims for semantic interoperability</a:t>
-            </a:r>
+              <a:t>Version 3 still being adopted and aims for semantic </a:t>
+            </a:r>
+            <a:r>
+              <a:rPr lang="en-US" dirty="0" smtClean="0">
+                <a:ea typeface="+mn-ea"/>
+              </a:rPr>
+              <a:t>interoperability</a:t>
+            </a:r>
+          </a:p>
+          <a:p>
+            <a:pPr lvl="1">
+              <a:lnSpc>
+                <a:spcPct val="90000"/>
+              </a:lnSpc>
+              <a:defRPr/>
+            </a:pPr>
+            <a:r>
+              <a:rPr lang="en-US" dirty="0"/>
+              <a:t>FHIR may solve reconciliation of </a:t>
+            </a:r>
+            <a:r>
+              <a:rPr lang="en-US" dirty="0" smtClean="0"/>
+              <a:t>these</a:t>
+            </a:r>
+            <a:endParaRPr lang="en-US" dirty="0" smtClean="0">
+              <a:ea typeface="+mn-ea"/>
+            </a:endParaRPr>
           </a:p>
           <a:p>
             <a:pPr eaLnBrk="1" hangingPunct="1">
@@ -32098,8 +31778,17 @@
               <a:rPr lang="en-US" dirty="0" smtClean="0">
                 <a:ea typeface="+mn-ea"/>
               </a:rPr>
-              <a:t>Overview book and another with detailed discussion</a:t>
-            </a:r>
+              <a:t>Overview </a:t>
+            </a:r>
+            <a:r>
+              <a:rPr lang="en-US" dirty="0" smtClean="0">
+                <a:ea typeface="+mn-ea"/>
+              </a:rPr>
+              <a:t>book</a:t>
+            </a:r>
+            <a:endParaRPr lang="en-US" dirty="0" smtClean="0">
+              <a:ea typeface="+mn-ea"/>
+            </a:endParaRPr>
           </a:p>
         </p:txBody>
       </p:sp>
@@ -32125,16 +31814,13 @@
           <a:p>
             <a:r>
               <a:rPr lang="en-US" dirty="0"/>
-              <a:t>(Benson, 2012</a:t>
+              <a:t>(Benson, </a:t>
             </a:r>
             <a:r>
               <a:rPr lang="en-US" dirty="0" smtClean="0"/>
-              <a:t>), (</a:t>
-            </a:r>
-            <a:r>
-              <a:rPr lang="en-US" dirty="0"/>
-              <a:t>Trotter, 2011)</a:t>
-            </a:r>
+              <a:t>2016)</a:t>
+            </a:r>
+            <a:endParaRPr lang="en-US" dirty="0"/>
           </a:p>
         </p:txBody>
       </p:sp>
@@ -32354,8 +32040,13 @@
           <a:p>
             <a:r>
               <a:rPr lang="en-US" dirty="0"/>
-              <a:t>(Henderson, 2003; Benson, 2012)</a:t>
-            </a:r>
+              <a:t>(Henderson, 2003; Benson, </a:t>
+            </a:r>
+            <a:r>
+              <a:rPr lang="en-US" dirty="0" smtClean="0"/>
+              <a:t>2016)</a:t>
+            </a:r>
+            <a:endParaRPr lang="en-US" dirty="0"/>
           </a:p>
           <a:p>
             <a:endParaRPr lang="en-US" dirty="0"/>
@@ -33016,8 +32707,13 @@
             </a:pPr>
             <a:r>
               <a:rPr lang="en-US" sz="1100" i="1" dirty="0" smtClean="0"/>
-              <a:t>(Benson, 2012)</a:t>
-            </a:r>
+              <a:t>(Benson, </a:t>
+            </a:r>
+            <a:r>
+              <a:rPr lang="en-US" sz="1100" i="1" dirty="0" smtClean="0"/>
+              <a:t>2016)</a:t>
+            </a:r>
+            <a:endParaRPr lang="en-US" sz="1100" i="1" dirty="0" smtClean="0"/>
           </a:p>
           <a:p>
             <a:endParaRPr lang="en-US" dirty="0"/>
@@ -33073,13 +32769,17 @@
         <p:spPr/>
         <p:txBody>
           <a:bodyPr>
-            <a:normAutofit fontScale="90000"/>
+            <a:normAutofit/>
           </a:bodyPr>
           <a:lstStyle/>
           <a:p>
             <a:r>
               <a:rPr lang="en-US" dirty="0" smtClean="0"/>
-              <a:t>Another HL7 version 2.5 example (Hammond, 2014)</a:t>
+              <a:t>Another HL7 version 2.5 </a:t>
+            </a:r>
+            <a:r>
+              <a:rPr lang="en-US" dirty="0" smtClean="0"/>
+              <a:t>example</a:t>
             </a:r>
             <a:endParaRPr lang="en-US" dirty="0"/>
           </a:p>
@@ -33624,8 +33324,13 @@
             </a:pPr>
             <a:r>
               <a:rPr lang="en-US" dirty="0"/>
-              <a:t>Differences demonstrated in </a:t>
-            </a:r>
+              <a:t>Differences </a:t>
+            </a:r>
+            <a:r>
+              <a:rPr lang="en-US" dirty="0" smtClean="0"/>
+              <a:t>demonstrated</a:t>
+            </a:r>
+            <a:endParaRPr lang="en-US" dirty="0"/>
           </a:p>
           <a:p>
             <a:pPr eaLnBrk="1" hangingPunct="1">
@@ -33637,6 +33342,14 @@
               <a:rPr lang="en-US" dirty="0"/>
               <a:t>Based on Reference Information Model (RIM), an object model of entities that pass messages </a:t>
             </a:r>
+            <a:endParaRPr lang="en-US" dirty="0" smtClean="0"/>
+          </a:p>
+          <a:p>
+            <a:pPr lvl="1">
+              <a:lnSpc>
+                <a:spcPct val="80000"/>
+              </a:lnSpc>
+            </a:pPr>
             <a:r>
               <a:rPr lang="en-US" dirty="0" smtClean="0"/>
               <a:t>Implemented </a:t>
@@ -33955,8 +33668,13 @@
           <a:p>
             <a:r>
               <a:rPr lang="en-US" dirty="0"/>
-              <a:t>(Mead, 2005; Benson, 2012)</a:t>
-            </a:r>
+              <a:t>(Mead, 2005; Benson, </a:t>
+            </a:r>
+            <a:r>
+              <a:rPr lang="en-US" dirty="0" smtClean="0"/>
+              <a:t>2016)</a:t>
+            </a:r>
+            <a:endParaRPr lang="en-US" dirty="0"/>
           </a:p>
         </p:txBody>
       </p:sp>
@@ -34005,7 +33723,6 @@
   <p:tag name="LASTPUBLISHED" val="C:\Documents and Settings\hersh\My Documents\10x10\Unit 4\Content\4.3a\player.html"/>
   <p:tag name="ARTICULATE_META_COURSE_VERSION_SET" val="True"/>
   <p:tag name="ARTICULATE_REFERENCE_ID" val="29c5dc2f-ccba-42a0-85c8-05d6add57456"/>
-  <p:tag name="ARTICULATE_SLIDE_COUNT" val="21"/>
   <p:tag name="ARTICULATE_REFERENCE_TYPE_1" val="1"/>
   <p:tag name="ARTICULATE_REFERENCE_1" val="C:\wamp\www\Box Sync\BD2K\OER Content\BDK06\Staged\List of Resources for Message Exchange Standards pt1.pdf"/>
   <p:tag name="ARTICULATE_REFERENCE_TITLE_1" val="List of Resources for Message Exchange Standards pt1"/>
@@ -34013,13 +33730,14 @@
   <p:tag name="ARTICULATE_REFERENCE_COUNT" val="1"/>
   <p:tag name="ARTICULATE_REFERENCE_DESCRIPTION" val="Here are some useful links:"/>
   <p:tag name="ARTICULATE_PLAYER_GLOSSARY_XML" val="&lt;?xml version=&quot;1.0&quot; encoding=&quot;utf-16&quot;?&gt;&lt;glossary xmlns:xsi=&quot;http://www.w3.org/2001/XMLSchema-instance&quot; xmlns:xsd=&quot;http://www.w3.org/2001/XMLSchema&quot;&gt;&lt;terms /&gt;&lt;/glossary&gt;"/>
-  <p:tag name="ARTICULATE_PROJECT_OPEN" val="1"/>
   <p:tag name="TAG_BACKING_FORM_KEY" val="592760-c:\wamp\www\box sync\bd2k\oer content\bdk06\staged\bdk04-3.pptx"/>
   <p:tag name="ARTICULATE_PRESENTER_VERSION" val="7"/>
   <p:tag name="ARTICULATE_USED_PAGE_ORIENTATION" val="1"/>
   <p:tag name="ARTICULATE_USED_PAGE_SIZE" val="1"/>
   <p:tag name="ARTICULATE_META_COURSE_ID" val="4JKzE5UaJJn_course_id"/>
   <p:tag name="ARTICULATE_META_NAME_SET" val="True"/>
+  <p:tag name="ARTICULATE_SLIDE_COUNT" val="21"/>
+  <p:tag name="ARTICULATE_PROJECT_OPEN" val="0"/>
 </p:tagLst>
 </file>
 
@@ -34288,6 +34006,7 @@
   <p:tag name="ORIGINAL_AUDIO_FILEPATH" val="C:\wamp\www\Box Sync\BD2K\OER Content\BDK06\Working\Audio\BDK04-3Audio\Slide 1 - Message Exchange Standards 1_2.wav"/>
   <p:tag name="ELAPSEDTIME" val="12.042"/>
   <p:tag name="ARTICULATE_USED_LAYOUT" val="1"/>
+  <p:tag name="ARTICULATE_SLIDE_THUMBNAIL_REFRESH" val="1"/>
 </p:tagLst>
 </file>
 
@@ -34309,6 +34028,7 @@
   <p:tag name="ARTICULATE_PLAYER_CONTROL_RESOURCES" val="False"/>
   <p:tag name="ARTICULATE_PLAYER_CONTROL_GLOSSARY" val="False"/>
   <p:tag name="ARTICULATE_USED_LAYOUT" val="2"/>
+  <p:tag name="ARTICULATE_SLIDE_THUMBNAIL_REFRESH" val="1"/>
 </p:tagLst>
 </file>
 
@@ -34336,6 +34056,7 @@
   <p:tag name="ARTICULATE_PLAYER_CONTROL_RESOURCES" val="False"/>
   <p:tag name="ARTICULATE_PLAYER_CONTROL_GLOSSARY" val="False"/>
   <p:tag name="ARTICULATE_USED_LAYOUT" val="2"/>
+  <p:tag name="ARTICULATE_SLIDE_THUMBNAIL_REFRESH" val="1"/>
 </p:tagLst>
 </file>
 
@@ -34357,6 +34078,7 @@
   <p:tag name="ARTICULATE_PLAYER_CONTROL_RESOURCES" val="False"/>
   <p:tag name="ARTICULATE_PLAYER_CONTROL_GLOSSARY" val="False"/>
   <p:tag name="ARTICULATE_USED_LAYOUT" val="2"/>
+  <p:tag name="ARTICULATE_SLIDE_THUMBNAIL_REFRESH" val="1"/>
 </p:tagLst>
 </file>
 
@@ -34378,6 +34100,7 @@
   <p:tag name="ARTICULATE_PLAYER_CONTROL_RESOURCES" val="False"/>
   <p:tag name="ARTICULATE_PLAYER_CONTROL_GLOSSARY" val="False"/>
   <p:tag name="ARTICULATE_USED_LAYOUT" val="23"/>
+  <p:tag name="ARTICULATE_SLIDE_THUMBNAIL_REFRESH" val="1"/>
 </p:tagLst>
 </file>
 
@@ -34399,6 +34122,7 @@
   <p:tag name="ARTICULATE_PLAYER_CONTROL_RESOURCES" val="False"/>
   <p:tag name="ARTICULATE_PLAYER_CONTROL_GLOSSARY" val="False"/>
   <p:tag name="ARTICULATE_USED_LAYOUT" val="2"/>
+  <p:tag name="ARTICULATE_SLIDE_THUMBNAIL_REFRESH" val="1"/>
 </p:tagLst>
 </file>
 
@@ -34418,6 +34142,7 @@
   <p:tag name="ARTICULATE_PLAYER_CONTROL_RESOURCES" val="False"/>
   <p:tag name="ARTICULATE_PLAYER_CONTROL_GLOSSARY" val="False"/>
   <p:tag name="ARTICULATE_USED_LAYOUT" val="2"/>
+  <p:tag name="ARTICULATE_SLIDE_THUMBNAIL_REFRESH" val="1"/>
 </p:tagLst>
 </file>
 
@@ -34439,6 +34164,7 @@
   <p:tag name="ARTICULATE_PLAYER_CONTROL_RESOURCES" val="False"/>
   <p:tag name="ARTICULATE_PLAYER_CONTROL_GLOSSARY" val="False"/>
   <p:tag name="ARTICULATE_USED_LAYOUT" val="2"/>
+  <p:tag name="ARTICULATE_SLIDE_THUMBNAIL_REFRESH" val="1"/>
 </p:tagLst>
 </file>
 
@@ -34460,6 +34186,7 @@
   <p:tag name="ARTICULATE_PLAYER_CONTROL_RESOURCES" val="False"/>
   <p:tag name="ARTICULATE_PLAYER_CONTROL_GLOSSARY" val="False"/>
   <p:tag name="ARTICULATE_USED_LAYOUT" val="2"/>
+  <p:tag name="ARTICULATE_SLIDE_THUMBNAIL_REFRESH" val="1"/>
 </p:tagLst>
 </file>
 
@@ -34481,6 +34208,7 @@
   <p:tag name="ARTICULATE_PLAYER_CONTROL_RESOURCES" val="False"/>
   <p:tag name="ARTICULATE_PLAYER_CONTROL_GLOSSARY" val="False"/>
   <p:tag name="ARTICULATE_USED_LAYOUT" val="2"/>
+  <p:tag name="ARTICULATE_SLIDE_THUMBNAIL_REFRESH" val="1"/>
 </p:tagLst>
 </file>
 
@@ -34500,6 +34228,7 @@
   <p:tag name="ARTICULATE_PLAYER_CONTROL_RESOURCES" val="False"/>
   <p:tag name="ARTICULATE_PLAYER_CONTROL_GLOSSARY" val="False"/>
   <p:tag name="ARTICULATE_USED_LAYOUT" val="2"/>
+  <p:tag name="ARTICULATE_SLIDE_THUMBNAIL_REFRESH" val="1"/>
 </p:tagLst>
 </file>
 
@@ -34519,6 +34248,7 @@
   <p:tag name="ARTICULATE_PLAYER_CONTROL_RESOURCES" val="False"/>
   <p:tag name="ARTICULATE_PLAYER_CONTROL_GLOSSARY" val="False"/>
   <p:tag name="ARTICULATE_USED_LAYOUT" val="2"/>
+  <p:tag name="ARTICULATE_SLIDE_THUMBNAIL_REFRESH" val="1"/>
 </p:tagLst>
 </file>
 
@@ -34529,6 +34259,26 @@
 </file>
 
 <file path=ppt/tags/tag60.xml><?xml version="1.0" encoding="utf-8"?>
+<p:tagLst xmlns:a="http://schemas.openxmlformats.org/drawingml/2006/main" xmlns:r="http://schemas.openxmlformats.org/officeDocument/2006/relationships" xmlns:p="http://schemas.openxmlformats.org/presentationml/2006/main">
+  <p:tag name="AUDIO_ID" val="304"/>
+  <p:tag name="ARTICULATE_AUDIO_RECORDED" val="1"/>
+  <p:tag name="ELAPSEDTIME" val="74.5"/>
+  <p:tag name="ARTICULATE_NAV_LEVEL" val="1"/>
+  <p:tag name="ARTICULATE_SLIDE_PRESENTER_GUID" val="b87497db-da6f-43dd-ba88-7faa7f5299d6"/>
+  <p:tag name="ARTICULATE_SLIDE_PAUSE" val="0"/>
+  <p:tag name="ARTICULATE_LOCK_SLIDE" val="0"/>
+  <p:tag name="ARTICULATE_HIDE_SLIDE" val="0"/>
+  <p:tag name="ARTICULATE_PLAYER_CONTROL_PREVIOUS" val="True"/>
+  <p:tag name="ARTICULATE_PLAYER_CONTROL_NEXT" val="True"/>
+  <p:tag name="ARTICULATE_PLAYER_CONTROL_NOTES" val="False"/>
+  <p:tag name="ARTICULATE_PLAYER_CONTROL_RESOURCES" val="False"/>
+  <p:tag name="ARTICULATE_PLAYER_CONTROL_GLOSSARY" val="False"/>
+  <p:tag name="ARTICULATE_USED_LAYOUT" val="2"/>
+  <p:tag name="ARTICULATE_SLIDE_THUMBNAIL_REFRESH" val="1"/>
+</p:tagLst>
+</file>
+
+<file path=ppt/tags/tag61.xml><?xml version="1.0" encoding="utf-8"?>
 <p:tagLst xmlns:a="http://schemas.openxmlformats.org/drawingml/2006/main" xmlns:r="http://schemas.openxmlformats.org/officeDocument/2006/relationships" xmlns:p="http://schemas.openxmlformats.org/presentationml/2006/main">
   <p:tag name="AUDIO_ID" val="305"/>
   <p:tag name="ARTICULATE_AUDIO_RECORDED" val="1"/>
@@ -34544,10 +34294,31 @@
   <p:tag name="ARTICULATE_PLAYER_CONTROL_RESOURCES" val="False"/>
   <p:tag name="ARTICULATE_PLAYER_CONTROL_GLOSSARY" val="False"/>
   <p:tag name="ARTICULATE_USED_LAYOUT" val="2"/>
+  <p:tag name="ARTICULATE_SLIDE_THUMBNAIL_REFRESH" val="1"/>
 </p:tagLst>
 </file>
 
-<file path=ppt/tags/tag61.xml><?xml version="1.0" encoding="utf-8"?>
+<file path=ppt/tags/tag62.xml><?xml version="1.0" encoding="utf-8"?>
+<p:tagLst xmlns:a="http://schemas.openxmlformats.org/drawingml/2006/main" xmlns:r="http://schemas.openxmlformats.org/officeDocument/2006/relationships" xmlns:p="http://schemas.openxmlformats.org/presentationml/2006/main">
+  <p:tag name="AUDIO_ID" val="305"/>
+  <p:tag name="ARTICULATE_AUDIO_RECORDED" val="1"/>
+  <p:tag name="ELAPSEDTIME" val="34.4"/>
+  <p:tag name="ARTICULATE_NAV_LEVEL" val="1"/>
+  <p:tag name="ARTICULATE_SLIDE_PRESENTER_GUID" val="b87497db-da6f-43dd-ba88-7faa7f5299d6"/>
+  <p:tag name="ARTICULATE_SLIDE_PAUSE" val="0"/>
+  <p:tag name="ARTICULATE_LOCK_SLIDE" val="0"/>
+  <p:tag name="ARTICULATE_HIDE_SLIDE" val="0"/>
+  <p:tag name="ARTICULATE_PLAYER_CONTROL_PREVIOUS" val="True"/>
+  <p:tag name="ARTICULATE_PLAYER_CONTROL_NEXT" val="True"/>
+  <p:tag name="ARTICULATE_PLAYER_CONTROL_NOTES" val="False"/>
+  <p:tag name="ARTICULATE_PLAYER_CONTROL_RESOURCES" val="False"/>
+  <p:tag name="ARTICULATE_PLAYER_CONTROL_GLOSSARY" val="False"/>
+  <p:tag name="ARTICULATE_USED_LAYOUT" val="2"/>
+  <p:tag name="ARTICULATE_SLIDE_THUMBNAIL_REFRESH" val="1"/>
+</p:tagLst>
+</file>
+
+<file path=ppt/tags/tag63.xml><?xml version="1.0" encoding="utf-8"?>
 <p:tagLst xmlns:a="http://schemas.openxmlformats.org/drawingml/2006/main" xmlns:r="http://schemas.openxmlformats.org/officeDocument/2006/relationships" xmlns:p="http://schemas.openxmlformats.org/presentationml/2006/main">
   <p:tag name="ARTICULATE_SLIDE_GUID" val="808a6daf-192b-4f00-841d-db82f04cc538"/>
   <p:tag name="ARTICULATE_SLIDE_NAV" val="10"/>
@@ -34565,48 +34336,7 @@
   <p:tag name="ARTICULATE_PLAYER_CONTROL_RESOURCES" val="False"/>
   <p:tag name="ARTICULATE_PLAYER_CONTROL_GLOSSARY" val="False"/>
   <p:tag name="ARTICULATE_USED_LAYOUT" val="2"/>
-</p:tagLst>
-</file>
-
-<file path=ppt/tags/tag62.xml><?xml version="1.0" encoding="utf-8"?>
-<p:tagLst xmlns:a="http://schemas.openxmlformats.org/drawingml/2006/main" xmlns:r="http://schemas.openxmlformats.org/officeDocument/2006/relationships" xmlns:p="http://schemas.openxmlformats.org/presentationml/2006/main">
-  <p:tag name="ARTICULATE_SLIDE_GUID" val="a537ff80-619a-40e4-987e-12b2ccfbd7b0"/>
-  <p:tag name="ARTICULATE_SLIDE_NAV" val="11"/>
-  <p:tag name="AUDIO_ID" val="277"/>
-  <p:tag name="ARTICULATE_AUDIO_RECORDED" val="1"/>
-  <p:tag name="ELAPSEDTIME" val="67.6"/>
-  <p:tag name="ARTICULATE_NAV_LEVEL" val="1"/>
-  <p:tag name="ARTICULATE_SLIDE_PRESENTER_GUID" val="b87497db-da6f-43dd-ba88-7faa7f5299d6"/>
-  <p:tag name="ARTICULATE_SLIDE_PAUSE" val="0"/>
-  <p:tag name="ARTICULATE_LOCK_SLIDE" val="0"/>
-  <p:tag name="ARTICULATE_HIDE_SLIDE" val="0"/>
-  <p:tag name="ARTICULATE_PLAYER_CONTROL_PREVIOUS" val="True"/>
-  <p:tag name="ARTICULATE_PLAYER_CONTROL_NEXT" val="True"/>
-  <p:tag name="ARTICULATE_PLAYER_CONTROL_NOTES" val="False"/>
-  <p:tag name="ARTICULATE_PLAYER_CONTROL_RESOURCES" val="False"/>
-  <p:tag name="ARTICULATE_PLAYER_CONTROL_GLOSSARY" val="False"/>
-  <p:tag name="ARTICULATE_USED_LAYOUT" val="2"/>
-</p:tagLst>
-</file>
-
-<file path=ppt/tags/tag63.xml><?xml version="1.0" encoding="utf-8"?>
-<p:tagLst xmlns:a="http://schemas.openxmlformats.org/drawingml/2006/main" xmlns:r="http://schemas.openxmlformats.org/officeDocument/2006/relationships" xmlns:p="http://schemas.openxmlformats.org/presentationml/2006/main">
-  <p:tag name="ARTICULATE_SLIDE_GUID" val="bb0023f8-afc9-489c-8a27-0ffbc292a700"/>
-  <p:tag name="ARTICULATE_SLIDE_NAV" val="12"/>
-  <p:tag name="AUDIO_ID" val="278"/>
-  <p:tag name="ARTICULATE_AUDIO_RECORDED" val="1"/>
-  <p:tag name="ELAPSEDTIME" val="67"/>
-  <p:tag name="ARTICULATE_NAV_LEVEL" val="1"/>
-  <p:tag name="ARTICULATE_SLIDE_PRESENTER_GUID" val="b87497db-da6f-43dd-ba88-7faa7f5299d6"/>
-  <p:tag name="ARTICULATE_SLIDE_PAUSE" val="0"/>
-  <p:tag name="ARTICULATE_LOCK_SLIDE" val="0"/>
-  <p:tag name="ARTICULATE_HIDE_SLIDE" val="0"/>
-  <p:tag name="ARTICULATE_PLAYER_CONTROL_PREVIOUS" val="True"/>
-  <p:tag name="ARTICULATE_PLAYER_CONTROL_NEXT" val="True"/>
-  <p:tag name="ARTICULATE_PLAYER_CONTROL_NOTES" val="False"/>
-  <p:tag name="ARTICULATE_PLAYER_CONTROL_RESOURCES" val="False"/>
-  <p:tag name="ARTICULATE_PLAYER_CONTROL_GLOSSARY" val="False"/>
-  <p:tag name="ARTICULATE_USED_LAYOUT" val="2"/>
+  <p:tag name="ARTICULATE_SLIDE_THUMBNAIL_REFRESH" val="1"/>
 </p:tagLst>
 </file>
 
@@ -34628,6 +34358,7 @@
   <p:tag name="ARTICULATE_PLAYER_CONTROL_RESOURCES" val="False"/>
   <p:tag name="ARTICULATE_PLAYER_CONTROL_GLOSSARY" val="False"/>
   <p:tag name="ARTICULATE_USED_LAYOUT" val="2"/>
+  <p:tag name="ARTICULATE_SLIDE_THUMBNAIL_REFRESH" val="1"/>
 </p:tagLst>
 </file>
 
@@ -34649,6 +34380,7 @@
   <p:tag name="ARTICULATE_PLAYER_CONTROL_RESOURCES" val="False"/>
   <p:tag name="ARTICULATE_PLAYER_CONTROL_GLOSSARY" val="False"/>
   <p:tag name="ARTICULATE_USED_LAYOUT" val="2"/>
+  <p:tag name="ARTICULATE_SLIDE_THUMBNAIL_REFRESH" val="1"/>
 </p:tagLst>
 </file>
 
@@ -34670,6 +34402,7 @@
   <p:tag name="ARTICULATE_PLAYER_CONTROL_RESOURCES" val="False"/>
   <p:tag name="ARTICULATE_PLAYER_CONTROL_GLOSSARY" val="False"/>
   <p:tag name="ARTICULATE_USED_LAYOUT" val="2"/>
+  <p:tag name="ARTICULATE_SLIDE_THUMBNAIL_REFRESH" val="1"/>
 </p:tagLst>
 </file>
 
@@ -34691,6 +34424,7 @@
   <p:tag name="ARTICULATE_PLAYER_CONTROL_RESOURCES" val="False"/>
   <p:tag name="ARTICULATE_PLAYER_CONTROL_GLOSSARY" val="False"/>
   <p:tag name="ARTICULATE_USED_LAYOUT" val="2"/>
+  <p:tag name="ARTICULATE_SLIDE_THUMBNAIL_REFRESH" val="1"/>
 </p:tagLst>
 </file>
 
@@ -34747,6 +34481,7 @@
   <p:tag name="ARTICULATE_PREV_BUTTON_ID" val="301"/>
   <p:tag name="AUDIO_ID" val="306"/>
   <p:tag name="ARTICULATE_USED_LAYOUT" val="2"/>
+  <p:tag name="ARTICULATE_SLIDE_THUMBNAIL_REFRESH" val="1"/>
 </p:tagLst>
 </file>
 
